--- a/14-15. Smart Light/Đèn thông minh phần 1 Tạo một thiết bị kết nối với AWS IOT core.pptx
+++ b/14-15. Smart Light/Đèn thông minh phần 1 Tạo một thiết bị kết nối với AWS IOT core.pptx
@@ -5,14 +5,18 @@
     <p:sldMasterId id="2147483648" r:id="rId1"/>
   </p:sldMasterIdLst>
   <p:notesMasterIdLst>
-    <p:notesMasterId r:id="rId7"/>
+    <p:notesMasterId r:id="rId11"/>
   </p:notesMasterIdLst>
   <p:sldIdLst>
     <p:sldId id="285" r:id="rId2"/>
     <p:sldId id="307" r:id="rId3"/>
-    <p:sldId id="306" r:id="rId4"/>
-    <p:sldId id="309" r:id="rId5"/>
-    <p:sldId id="308" r:id="rId6"/>
+    <p:sldId id="310" r:id="rId4"/>
+    <p:sldId id="311" r:id="rId5"/>
+    <p:sldId id="309" r:id="rId6"/>
+    <p:sldId id="312" r:id="rId7"/>
+    <p:sldId id="306" r:id="rId8"/>
+    <p:sldId id="313" r:id="rId9"/>
+    <p:sldId id="308" r:id="rId10"/>
   </p:sldIdLst>
   <p:sldSz cx="12192000" cy="6858000"/>
   <p:notesSz cx="6858000" cy="9144000"/>
@@ -138,8 +142,8 @@
   </pc:docChgLst>
   <pc:docChgLst>
     <pc:chgData name="Huong Nguyen" userId="a3438fb82b5343a2" providerId="LiveId" clId="{F83FA522-6960-4F44-B8AD-BF6FA669975D}"/>
-    <pc:docChg chg="undo custSel modSld">
-      <pc:chgData name="Huong Nguyen" userId="a3438fb82b5343a2" providerId="LiveId" clId="{F83FA522-6960-4F44-B8AD-BF6FA669975D}" dt="2018-10-01T15:08:40.859" v="473" actId="167"/>
+    <pc:docChg chg="undo custSel addSld delSld modSld">
+      <pc:chgData name="Huong Nguyen" userId="a3438fb82b5343a2" providerId="LiveId" clId="{F83FA522-6960-4F44-B8AD-BF6FA669975D}" dt="2018-10-07T14:55:07.570" v="1150"/>
       <pc:docMkLst>
         <pc:docMk/>
       </pc:docMkLst>
@@ -159,7 +163,7 @@
         </pc:spChg>
       </pc:sldChg>
       <pc:sldChg chg="addSp modSp">
-        <pc:chgData name="Huong Nguyen" userId="a3438fb82b5343a2" providerId="LiveId" clId="{F83FA522-6960-4F44-B8AD-BF6FA669975D}" dt="2018-09-29T06:58:55.248" v="472" actId="1582"/>
+        <pc:chgData name="Huong Nguyen" userId="a3438fb82b5343a2" providerId="LiveId" clId="{F83FA522-6960-4F44-B8AD-BF6FA669975D}" dt="2018-10-07T14:42:14.384" v="691" actId="14100"/>
         <pc:sldMkLst>
           <pc:docMk/>
           <pc:sldMk cId="1878864271" sldId="306"/>
@@ -213,7 +217,7 @@
           </ac:cxnSpMkLst>
         </pc:cxnChg>
         <pc:cxnChg chg="add mod">
-          <ac:chgData name="Huong Nguyen" userId="a3438fb82b5343a2" providerId="LiveId" clId="{F83FA522-6960-4F44-B8AD-BF6FA669975D}" dt="2018-09-29T06:58:48.691" v="471" actId="1582"/>
+          <ac:chgData name="Huong Nguyen" userId="a3438fb82b5343a2" providerId="LiveId" clId="{F83FA522-6960-4F44-B8AD-BF6FA669975D}" dt="2018-10-07T14:42:14.384" v="691" actId="14100"/>
           <ac:cxnSpMkLst>
             <pc:docMk/>
             <pc:sldMk cId="1878864271" sldId="306"/>
@@ -222,11 +226,19 @@
         </pc:cxnChg>
       </pc:sldChg>
       <pc:sldChg chg="addSp delSp modSp delCm">
-        <pc:chgData name="Huong Nguyen" userId="a3438fb82b5343a2" providerId="LiveId" clId="{F83FA522-6960-4F44-B8AD-BF6FA669975D}" dt="2018-10-01T15:08:40.859" v="473" actId="167"/>
+        <pc:chgData name="Huong Nguyen" userId="a3438fb82b5343a2" providerId="LiveId" clId="{F83FA522-6960-4F44-B8AD-BF6FA669975D}" dt="2018-10-01T15:20:39.422" v="519" actId="20577"/>
         <pc:sldMkLst>
           <pc:docMk/>
           <pc:sldMk cId="3864306079" sldId="307"/>
         </pc:sldMkLst>
+        <pc:spChg chg="mod">
+          <ac:chgData name="Huong Nguyen" userId="a3438fb82b5343a2" providerId="LiveId" clId="{F83FA522-6960-4F44-B8AD-BF6FA669975D}" dt="2018-10-01T15:20:39.422" v="519" actId="20577"/>
+          <ac:spMkLst>
+            <pc:docMk/>
+            <pc:sldMk cId="3864306079" sldId="307"/>
+            <ac:spMk id="2" creationId="{00000000-0000-0000-0000-000000000000}"/>
+          </ac:spMkLst>
+        </pc:spChg>
         <pc:spChg chg="add del mod">
           <ac:chgData name="Huong Nguyen" userId="a3438fb82b5343a2" providerId="LiveId" clId="{F83FA522-6960-4F44-B8AD-BF6FA669975D}" dt="2018-09-29T04:41:59.091" v="312" actId="20577"/>
           <ac:spMkLst>
@@ -451,8 +463,8 @@
           </ac:picMkLst>
         </pc:picChg>
       </pc:sldChg>
-      <pc:sldChg chg="addSp modSp modAnim">
-        <pc:chgData name="Huong Nguyen" userId="a3438fb82b5343a2" providerId="LiveId" clId="{F83FA522-6960-4F44-B8AD-BF6FA669975D}" dt="2018-09-18T16:56:10.472" v="111"/>
+      <pc:sldChg chg="addSp modSp del modAnim">
+        <pc:chgData name="Huong Nguyen" userId="a3438fb82b5343a2" providerId="LiveId" clId="{F83FA522-6960-4F44-B8AD-BF6FA669975D}" dt="2018-10-07T14:55:05.788" v="1149" actId="2696"/>
         <pc:sldMkLst>
           <pc:docMk/>
           <pc:sldMk cId="583298047" sldId="309"/>
@@ -463,6 +475,328 @@
             <pc:docMk/>
             <pc:sldMk cId="583298047" sldId="309"/>
             <ac:spMk id="18" creationId="{AAB89F3F-B48B-41B9-91AC-8F3B2321FE9F}"/>
+          </ac:spMkLst>
+        </pc:spChg>
+      </pc:sldChg>
+      <pc:sldChg chg="add">
+        <pc:chgData name="Huong Nguyen" userId="a3438fb82b5343a2" providerId="LiveId" clId="{F83FA522-6960-4F44-B8AD-BF6FA669975D}" dt="2018-10-07T14:55:07.570" v="1150"/>
+        <pc:sldMkLst>
+          <pc:docMk/>
+          <pc:sldMk cId="3629605753" sldId="309"/>
+        </pc:sldMkLst>
+      </pc:sldChg>
+      <pc:sldChg chg="delSp modSp add">
+        <pc:chgData name="Huong Nguyen" userId="a3438fb82b5343a2" providerId="LiveId" clId="{F83FA522-6960-4F44-B8AD-BF6FA669975D}" dt="2018-10-01T15:23:23.096" v="690" actId="20577"/>
+        <pc:sldMkLst>
+          <pc:docMk/>
+          <pc:sldMk cId="653306361" sldId="310"/>
+        </pc:sldMkLst>
+        <pc:spChg chg="mod">
+          <ac:chgData name="Huong Nguyen" userId="a3438fb82b5343a2" providerId="LiveId" clId="{F83FA522-6960-4F44-B8AD-BF6FA669975D}" dt="2018-10-01T15:20:33.665" v="495" actId="20577"/>
+          <ac:spMkLst>
+            <pc:docMk/>
+            <pc:sldMk cId="653306361" sldId="310"/>
+            <ac:spMk id="2" creationId="{00000000-0000-0000-0000-000000000000}"/>
+          </ac:spMkLst>
+        </pc:spChg>
+        <pc:spChg chg="mod">
+          <ac:chgData name="Huong Nguyen" userId="a3438fb82b5343a2" providerId="LiveId" clId="{F83FA522-6960-4F44-B8AD-BF6FA669975D}" dt="2018-10-01T15:23:23.096" v="690" actId="20577"/>
+          <ac:spMkLst>
+            <pc:docMk/>
+            <pc:sldMk cId="653306361" sldId="310"/>
+            <ac:spMk id="3" creationId="{28C742A5-9D53-4B67-A126-D4C191B39425}"/>
+          </ac:spMkLst>
+        </pc:spChg>
+        <pc:spChg chg="del mod">
+          <ac:chgData name="Huong Nguyen" userId="a3438fb82b5343a2" providerId="LiveId" clId="{F83FA522-6960-4F44-B8AD-BF6FA669975D}" dt="2018-10-01T15:22:48.649" v="663" actId="478"/>
+          <ac:spMkLst>
+            <pc:docMk/>
+            <pc:sldMk cId="653306361" sldId="310"/>
+            <ac:spMk id="4" creationId="{2A08BA30-0188-435B-8B26-2C1B859390B4}"/>
+          </ac:spMkLst>
+        </pc:spChg>
+        <pc:spChg chg="del">
+          <ac:chgData name="Huong Nguyen" userId="a3438fb82b5343a2" providerId="LiveId" clId="{F83FA522-6960-4F44-B8AD-BF6FA669975D}" dt="2018-10-01T15:22:46.396" v="661" actId="478"/>
+          <ac:spMkLst>
+            <pc:docMk/>
+            <pc:sldMk cId="653306361" sldId="310"/>
+            <ac:spMk id="12" creationId="{086FF746-9FDE-4911-A7A2-684693667CA8}"/>
+          </ac:spMkLst>
+        </pc:spChg>
+        <pc:spChg chg="del">
+          <ac:chgData name="Huong Nguyen" userId="a3438fb82b5343a2" providerId="LiveId" clId="{F83FA522-6960-4F44-B8AD-BF6FA669975D}" dt="2018-10-01T15:22:47.694" v="662" actId="478"/>
+          <ac:spMkLst>
+            <pc:docMk/>
+            <pc:sldMk cId="653306361" sldId="310"/>
+            <ac:spMk id="13" creationId="{7E38B547-1D72-4CB6-A4A0-3B458D14BB7E}"/>
+          </ac:spMkLst>
+        </pc:spChg>
+        <pc:spChg chg="del">
+          <ac:chgData name="Huong Nguyen" userId="a3438fb82b5343a2" providerId="LiveId" clId="{F83FA522-6960-4F44-B8AD-BF6FA669975D}" dt="2018-10-01T15:22:43.573" v="659" actId="478"/>
+          <ac:spMkLst>
+            <pc:docMk/>
+            <pc:sldMk cId="653306361" sldId="310"/>
+            <ac:spMk id="14" creationId="{989F4FD8-4D18-409D-9E98-A1D36FD09E96}"/>
+          </ac:spMkLst>
+        </pc:spChg>
+        <pc:spChg chg="del">
+          <ac:chgData name="Huong Nguyen" userId="a3438fb82b5343a2" providerId="LiveId" clId="{F83FA522-6960-4F44-B8AD-BF6FA669975D}" dt="2018-10-01T15:22:50.164" v="664" actId="478"/>
+          <ac:spMkLst>
+            <pc:docMk/>
+            <pc:sldMk cId="653306361" sldId="310"/>
+            <ac:spMk id="22" creationId="{0C966AE4-EE3F-498D-8C44-4149D9D66BF9}"/>
+          </ac:spMkLst>
+        </pc:spChg>
+        <pc:spChg chg="del">
+          <ac:chgData name="Huong Nguyen" userId="a3438fb82b5343a2" providerId="LiveId" clId="{F83FA522-6960-4F44-B8AD-BF6FA669975D}" dt="2018-10-01T15:22:50.927" v="665" actId="478"/>
+          <ac:spMkLst>
+            <pc:docMk/>
+            <pc:sldMk cId="653306361" sldId="310"/>
+            <ac:spMk id="23" creationId="{7C4EEF5E-21F0-40AF-B067-90FFA4BD37C0}"/>
+          </ac:spMkLst>
+        </pc:spChg>
+        <pc:picChg chg="del">
+          <ac:chgData name="Huong Nguyen" userId="a3438fb82b5343a2" providerId="LiveId" clId="{F83FA522-6960-4F44-B8AD-BF6FA669975D}" dt="2018-10-01T15:22:41.997" v="656" actId="478"/>
+          <ac:picMkLst>
+            <pc:docMk/>
+            <pc:sldMk cId="653306361" sldId="310"/>
+            <ac:picMk id="6" creationId="{1D569374-5F59-4529-AC39-4BD4C9FADCE5}"/>
+          </ac:picMkLst>
+        </pc:picChg>
+        <pc:picChg chg="del">
+          <ac:chgData name="Huong Nguyen" userId="a3438fb82b5343a2" providerId="LiveId" clId="{F83FA522-6960-4F44-B8AD-BF6FA669975D}" dt="2018-10-01T15:22:41.997" v="656" actId="478"/>
+          <ac:picMkLst>
+            <pc:docMk/>
+            <pc:sldMk cId="653306361" sldId="310"/>
+            <ac:picMk id="21" creationId="{6C0ABF31-848A-4AF4-9839-08ADCB3A7029}"/>
+          </ac:picMkLst>
+        </pc:picChg>
+        <pc:picChg chg="del">
+          <ac:chgData name="Huong Nguyen" userId="a3438fb82b5343a2" providerId="LiveId" clId="{F83FA522-6960-4F44-B8AD-BF6FA669975D}" dt="2018-10-01T15:22:41.997" v="656" actId="478"/>
+          <ac:picMkLst>
+            <pc:docMk/>
+            <pc:sldMk cId="653306361" sldId="310"/>
+            <ac:picMk id="1028" creationId="{8EAC0F6F-E3F3-4417-8A40-269BFA2A77CE}"/>
+          </ac:picMkLst>
+        </pc:picChg>
+        <pc:picChg chg="del">
+          <ac:chgData name="Huong Nguyen" userId="a3438fb82b5343a2" providerId="LiveId" clId="{F83FA522-6960-4F44-B8AD-BF6FA669975D}" dt="2018-10-01T15:22:42.662" v="657" actId="478"/>
+          <ac:picMkLst>
+            <pc:docMk/>
+            <pc:sldMk cId="653306361" sldId="310"/>
+            <ac:picMk id="1032" creationId="{58817015-E4EF-4791-A593-9EFB5A372EB5}"/>
+          </ac:picMkLst>
+        </pc:picChg>
+        <pc:picChg chg="del">
+          <ac:chgData name="Huong Nguyen" userId="a3438fb82b5343a2" providerId="LiveId" clId="{F83FA522-6960-4F44-B8AD-BF6FA669975D}" dt="2018-10-01T15:22:43.004" v="658" actId="478"/>
+          <ac:picMkLst>
+            <pc:docMk/>
+            <pc:sldMk cId="653306361" sldId="310"/>
+            <ac:picMk id="1034" creationId="{44B01E73-8AE3-4E87-B6D1-03068C9B8FAD}"/>
+          </ac:picMkLst>
+        </pc:picChg>
+        <pc:picChg chg="del">
+          <ac:chgData name="Huong Nguyen" userId="a3438fb82b5343a2" providerId="LiveId" clId="{F83FA522-6960-4F44-B8AD-BF6FA669975D}" dt="2018-10-01T15:22:41.997" v="656" actId="478"/>
+          <ac:picMkLst>
+            <pc:docMk/>
+            <pc:sldMk cId="653306361" sldId="310"/>
+            <ac:picMk id="1038" creationId="{E1C802EF-9783-4B05-A419-298685553B02}"/>
+          </ac:picMkLst>
+        </pc:picChg>
+      </pc:sldChg>
+      <pc:sldChg chg="modSp add">
+        <pc:chgData name="Huong Nguyen" userId="a3438fb82b5343a2" providerId="LiveId" clId="{F83FA522-6960-4F44-B8AD-BF6FA669975D}" dt="2018-10-07T14:45:57.382" v="800" actId="20577"/>
+        <pc:sldMkLst>
+          <pc:docMk/>
+          <pc:sldMk cId="3841440704" sldId="311"/>
+        </pc:sldMkLst>
+        <pc:spChg chg="mod">
+          <ac:chgData name="Huong Nguyen" userId="a3438fb82b5343a2" providerId="LiveId" clId="{F83FA522-6960-4F44-B8AD-BF6FA669975D}" dt="2018-10-07T14:44:30.090" v="767" actId="20577"/>
+          <ac:spMkLst>
+            <pc:docMk/>
+            <pc:sldMk cId="3841440704" sldId="311"/>
+            <ac:spMk id="2" creationId="{00000000-0000-0000-0000-000000000000}"/>
+          </ac:spMkLst>
+        </pc:spChg>
+        <pc:spChg chg="mod">
+          <ac:chgData name="Huong Nguyen" userId="a3438fb82b5343a2" providerId="LiveId" clId="{F83FA522-6960-4F44-B8AD-BF6FA669975D}" dt="2018-10-07T14:45:57.382" v="800" actId="20577"/>
+          <ac:spMkLst>
+            <pc:docMk/>
+            <pc:sldMk cId="3841440704" sldId="311"/>
+            <ac:spMk id="3" creationId="{28C742A5-9D53-4B67-A126-D4C191B39425}"/>
+          </ac:spMkLst>
+        </pc:spChg>
+      </pc:sldChg>
+      <pc:sldChg chg="add">
+        <pc:chgData name="Huong Nguyen" userId="a3438fb82b5343a2" providerId="LiveId" clId="{F83FA522-6960-4F44-B8AD-BF6FA669975D}" dt="2018-10-07T14:55:07.570" v="1150"/>
+        <pc:sldMkLst>
+          <pc:docMk/>
+          <pc:sldMk cId="565797093" sldId="312"/>
+        </pc:sldMkLst>
+      </pc:sldChg>
+      <pc:sldChg chg="addSp delSp modSp add del delAnim">
+        <pc:chgData name="Huong Nguyen" userId="a3438fb82b5343a2" providerId="LiveId" clId="{F83FA522-6960-4F44-B8AD-BF6FA669975D}" dt="2018-10-07T14:55:05.785" v="1148" actId="2696"/>
+        <pc:sldMkLst>
+          <pc:docMk/>
+          <pc:sldMk cId="1449239371" sldId="312"/>
+        </pc:sldMkLst>
+        <pc:spChg chg="mod">
+          <ac:chgData name="Huong Nguyen" userId="a3438fb82b5343a2" providerId="LiveId" clId="{F83FA522-6960-4F44-B8AD-BF6FA669975D}" dt="2018-10-07T14:47:17.253" v="896" actId="20577"/>
+          <ac:spMkLst>
+            <pc:docMk/>
+            <pc:sldMk cId="1449239371" sldId="312"/>
+            <ac:spMk id="2" creationId="{00000000-0000-0000-0000-000000000000}"/>
+          </ac:spMkLst>
+        </pc:spChg>
+        <pc:spChg chg="del">
+          <ac:chgData name="Huong Nguyen" userId="a3438fb82b5343a2" providerId="LiveId" clId="{F83FA522-6960-4F44-B8AD-BF6FA669975D}" dt="2018-10-07T14:46:28.705" v="803" actId="478"/>
+          <ac:spMkLst>
+            <pc:docMk/>
+            <pc:sldMk cId="1449239371" sldId="312"/>
+            <ac:spMk id="5" creationId="{9A605909-A7D6-4CFC-906C-A6AEC1BE0584}"/>
+          </ac:spMkLst>
+        </pc:spChg>
+        <pc:spChg chg="del">
+          <ac:chgData name="Huong Nguyen" userId="a3438fb82b5343a2" providerId="LiveId" clId="{F83FA522-6960-4F44-B8AD-BF6FA669975D}" dt="2018-10-07T14:46:28.705" v="803" actId="478"/>
+          <ac:spMkLst>
+            <pc:docMk/>
+            <pc:sldMk cId="1449239371" sldId="312"/>
+            <ac:spMk id="7" creationId="{8E011337-9199-44E3-8D44-53B35FC062AF}"/>
+          </ac:spMkLst>
+        </pc:spChg>
+        <pc:spChg chg="del">
+          <ac:chgData name="Huong Nguyen" userId="a3438fb82b5343a2" providerId="LiveId" clId="{F83FA522-6960-4F44-B8AD-BF6FA669975D}" dt="2018-10-07T14:46:28.705" v="803" actId="478"/>
+          <ac:spMkLst>
+            <pc:docMk/>
+            <pc:sldMk cId="1449239371" sldId="312"/>
+            <ac:spMk id="12" creationId="{636CFF61-A44D-4606-B6FF-E3C010685D1E}"/>
+          </ac:spMkLst>
+        </pc:spChg>
+        <pc:spChg chg="del">
+          <ac:chgData name="Huong Nguyen" userId="a3438fb82b5343a2" providerId="LiveId" clId="{F83FA522-6960-4F44-B8AD-BF6FA669975D}" dt="2018-10-07T14:46:26.273" v="802" actId="478"/>
+          <ac:spMkLst>
+            <pc:docMk/>
+            <pc:sldMk cId="1449239371" sldId="312"/>
+            <ac:spMk id="16" creationId="{CFCEAC52-E5C0-4B12-B892-A9F3A340A218}"/>
+          </ac:spMkLst>
+        </pc:spChg>
+        <pc:spChg chg="mod">
+          <ac:chgData name="Huong Nguyen" userId="a3438fb82b5343a2" providerId="LiveId" clId="{F83FA522-6960-4F44-B8AD-BF6FA669975D}" dt="2018-10-07T14:50:53.116" v="1144" actId="27636"/>
+          <ac:spMkLst>
+            <pc:docMk/>
+            <pc:sldMk cId="1449239371" sldId="312"/>
+            <ac:spMk id="17" creationId="{471A9195-384A-498F-BE53-BE4CF7BD9E00}"/>
+          </ac:spMkLst>
+        </pc:spChg>
+        <pc:spChg chg="del">
+          <ac:chgData name="Huong Nguyen" userId="a3438fb82b5343a2" providerId="LiveId" clId="{F83FA522-6960-4F44-B8AD-BF6FA669975D}" dt="2018-10-07T14:46:26.273" v="802" actId="478"/>
+          <ac:spMkLst>
+            <pc:docMk/>
+            <pc:sldMk cId="1449239371" sldId="312"/>
+            <ac:spMk id="18" creationId="{AAB89F3F-B48B-41B9-91AC-8F3B2321FE9F}"/>
+          </ac:spMkLst>
+        </pc:spChg>
+        <pc:spChg chg="add mod">
+          <ac:chgData name="Huong Nguyen" userId="a3438fb82b5343a2" providerId="LiveId" clId="{F83FA522-6960-4F44-B8AD-BF6FA669975D}" dt="2018-10-07T14:49:52.660" v="1127" actId="20577"/>
+          <ac:spMkLst>
+            <pc:docMk/>
+            <pc:sldMk cId="1449239371" sldId="312"/>
+            <ac:spMk id="19" creationId="{34208AA0-050C-469C-BAE3-586C38EA3311}"/>
+          </ac:spMkLst>
+        </pc:spChg>
+        <pc:spChg chg="del">
+          <ac:chgData name="Huong Nguyen" userId="a3438fb82b5343a2" providerId="LiveId" clId="{F83FA522-6960-4F44-B8AD-BF6FA669975D}" dt="2018-10-07T14:46:28.705" v="803" actId="478"/>
+          <ac:spMkLst>
+            <pc:docMk/>
+            <pc:sldMk cId="1449239371" sldId="312"/>
+            <ac:spMk id="41" creationId="{B7D0A7C4-80C6-423B-AAEC-0D2E6708F1D1}"/>
+          </ac:spMkLst>
+        </pc:spChg>
+        <pc:spChg chg="del">
+          <ac:chgData name="Huong Nguyen" userId="a3438fb82b5343a2" providerId="LiveId" clId="{F83FA522-6960-4F44-B8AD-BF6FA669975D}" dt="2018-10-07T14:46:26.273" v="802" actId="478"/>
+          <ac:spMkLst>
+            <pc:docMk/>
+            <pc:sldMk cId="1449239371" sldId="312"/>
+            <ac:spMk id="52" creationId="{B7D9F3BB-73DA-4713-90DC-E81E03CE22DF}"/>
+          </ac:spMkLst>
+        </pc:spChg>
+        <pc:spChg chg="del">
+          <ac:chgData name="Huong Nguyen" userId="a3438fb82b5343a2" providerId="LiveId" clId="{F83FA522-6960-4F44-B8AD-BF6FA669975D}" dt="2018-10-07T14:46:26.273" v="802" actId="478"/>
+          <ac:spMkLst>
+            <pc:docMk/>
+            <pc:sldMk cId="1449239371" sldId="312"/>
+            <ac:spMk id="59" creationId="{DF70D952-FB5C-4A8F-AC2D-F606051B812B}"/>
+          </ac:spMkLst>
+        </pc:spChg>
+        <pc:picChg chg="del">
+          <ac:chgData name="Huong Nguyen" userId="a3438fb82b5343a2" providerId="LiveId" clId="{F83FA522-6960-4F44-B8AD-BF6FA669975D}" dt="2018-10-07T14:46:28.705" v="803" actId="478"/>
+          <ac:picMkLst>
+            <pc:docMk/>
+            <pc:sldMk cId="1449239371" sldId="312"/>
+            <ac:picMk id="24" creationId="{33D5C890-BEFF-48B9-811D-ECBE2C6ED92B}"/>
+          </ac:picMkLst>
+        </pc:picChg>
+        <pc:picChg chg="del">
+          <ac:chgData name="Huong Nguyen" userId="a3438fb82b5343a2" providerId="LiveId" clId="{F83FA522-6960-4F44-B8AD-BF6FA669975D}" dt="2018-10-07T14:46:28.705" v="803" actId="478"/>
+          <ac:picMkLst>
+            <pc:docMk/>
+            <pc:sldMk cId="1449239371" sldId="312"/>
+            <ac:picMk id="25" creationId="{A90A99AC-BCFA-4EC4-BF43-9E4037B6A241}"/>
+          </ac:picMkLst>
+        </pc:picChg>
+        <pc:picChg chg="del">
+          <ac:chgData name="Huong Nguyen" userId="a3438fb82b5343a2" providerId="LiveId" clId="{F83FA522-6960-4F44-B8AD-BF6FA669975D}" dt="2018-10-07T14:46:28.705" v="803" actId="478"/>
+          <ac:picMkLst>
+            <pc:docMk/>
+            <pc:sldMk cId="1449239371" sldId="312"/>
+            <ac:picMk id="63" creationId="{CBABAD72-379E-4CCD-A630-112A0FEA7A96}"/>
+          </ac:picMkLst>
+        </pc:picChg>
+        <pc:picChg chg="del">
+          <ac:chgData name="Huong Nguyen" userId="a3438fb82b5343a2" providerId="LiveId" clId="{F83FA522-6960-4F44-B8AD-BF6FA669975D}" dt="2018-10-07T14:46:26.273" v="802" actId="478"/>
+          <ac:picMkLst>
+            <pc:docMk/>
+            <pc:sldMk cId="1449239371" sldId="312"/>
+            <ac:picMk id="2050" creationId="{A7E1EDFC-7911-41F5-922A-6B441322B947}"/>
+          </ac:picMkLst>
+        </pc:picChg>
+        <pc:cxnChg chg="del mod">
+          <ac:chgData name="Huong Nguyen" userId="a3438fb82b5343a2" providerId="LiveId" clId="{F83FA522-6960-4F44-B8AD-BF6FA669975D}" dt="2018-10-07T14:46:28.705" v="803" actId="478"/>
+          <ac:cxnSpMkLst>
+            <pc:docMk/>
+            <pc:sldMk cId="1449239371" sldId="312"/>
+            <ac:cxnSpMk id="10" creationId="{9DA148CD-8C54-484F-9AA1-290D373D88C7}"/>
+          </ac:cxnSpMkLst>
+        </pc:cxnChg>
+        <pc:cxnChg chg="del mod">
+          <ac:chgData name="Huong Nguyen" userId="a3438fb82b5343a2" providerId="LiveId" clId="{F83FA522-6960-4F44-B8AD-BF6FA669975D}" dt="2018-10-07T14:46:26.273" v="802" actId="478"/>
+          <ac:cxnSpMkLst>
+            <pc:docMk/>
+            <pc:sldMk cId="1449239371" sldId="312"/>
+            <ac:cxnSpMk id="49" creationId="{1F85E5A2-03E3-483C-AFFE-674D06EDC954}"/>
+          </ac:cxnSpMkLst>
+        </pc:cxnChg>
+        <pc:cxnChg chg="del mod">
+          <ac:chgData name="Huong Nguyen" userId="a3438fb82b5343a2" providerId="LiveId" clId="{F83FA522-6960-4F44-B8AD-BF6FA669975D}" dt="2018-10-07T14:46:26.273" v="802" actId="478"/>
+          <ac:cxnSpMkLst>
+            <pc:docMk/>
+            <pc:sldMk cId="1449239371" sldId="312"/>
+            <ac:cxnSpMk id="53" creationId="{642BE71E-6636-4719-85B1-EEADE168DEBE}"/>
+          </ac:cxnSpMkLst>
+        </pc:cxnChg>
+      </pc:sldChg>
+      <pc:sldChg chg="addSp delSp add">
+        <pc:chgData name="Huong Nguyen" userId="a3438fb82b5343a2" providerId="LiveId" clId="{F83FA522-6960-4F44-B8AD-BF6FA669975D}" dt="2018-10-07T14:52:06.538" v="1147"/>
+        <pc:sldMkLst>
+          <pc:docMk/>
+          <pc:sldMk cId="2115405461" sldId="313"/>
+        </pc:sldMkLst>
+        <pc:spChg chg="add del">
+          <ac:chgData name="Huong Nguyen" userId="a3438fb82b5343a2" providerId="LiveId" clId="{F83FA522-6960-4F44-B8AD-BF6FA669975D}" dt="2018-10-07T14:52:06.538" v="1147"/>
+          <ac:spMkLst>
+            <pc:docMk/>
+            <pc:sldMk cId="2115405461" sldId="313"/>
+            <ac:spMk id="3" creationId="{0162908F-8731-489B-9CA8-D50A98EEEDAD}"/>
           </ac:spMkLst>
         </pc:spChg>
       </pc:sldChg>
@@ -556,7 +890,7 @@
           <a:p>
             <a:fld id="{7C73E1C4-0E57-49E6-A5B1-CF2F2E9F2E1A}" type="datetimeFigureOut">
               <a:rPr lang="en-US" smtClean="0"/>
-              <a:t>10/01/2018</a:t>
+              <a:t>10/07/2018</a:t>
             </a:fld>
             <a:endParaRPr lang="en-US"/>
           </a:p>
@@ -952,345 +1286,8 @@
           <a:bodyPr/>
           <a:lstStyle/>
           <a:p>
-            <a:r>
-              <a:rPr lang="en-US" dirty="0" err="1"/>
-              <a:t>Đây</a:t>
-            </a:r>
-            <a:r>
-              <a:rPr lang="en-US" dirty="0"/>
-              <a:t> </a:t>
-            </a:r>
-            <a:r>
-              <a:rPr lang="en-US" dirty="0" err="1"/>
-              <a:t>mình</a:t>
-            </a:r>
-            <a:r>
-              <a:rPr lang="en-US" dirty="0"/>
-              <a:t> </a:t>
-            </a:r>
-            <a:r>
-              <a:rPr lang="en-US" dirty="0" err="1"/>
-              <a:t>có</a:t>
-            </a:r>
-            <a:r>
-              <a:rPr lang="en-US" dirty="0"/>
-              <a:t> </a:t>
-            </a:r>
-            <a:r>
-              <a:rPr lang="en-US" dirty="0" err="1"/>
-              <a:t>vẽ</a:t>
-            </a:r>
-            <a:r>
-              <a:rPr lang="en-US" dirty="0"/>
-              <a:t> </a:t>
-            </a:r>
-            <a:r>
-              <a:rPr lang="en-US" dirty="0" err="1"/>
-              <a:t>mạch</a:t>
-            </a:r>
-            <a:r>
-              <a:rPr lang="en-US" dirty="0"/>
-              <a:t> </a:t>
-            </a:r>
-            <a:r>
-              <a:rPr lang="en-US" dirty="0" err="1"/>
-              <a:t>theo</a:t>
-            </a:r>
-            <a:r>
-              <a:rPr lang="en-US" dirty="0"/>
-              <a:t> Board  ESP 8266 Uno. </a:t>
-            </a:r>
-            <a:r>
-              <a:rPr lang="en-US" dirty="0" err="1"/>
-              <a:t>Mọi</a:t>
-            </a:r>
-            <a:r>
-              <a:rPr lang="en-US" dirty="0"/>
-              <a:t> ng</a:t>
-            </a:r>
-            <a:r>
-              <a:rPr lang="vi-VN" dirty="0"/>
-              <a:t>ư</a:t>
-            </a:r>
-            <a:r>
-              <a:rPr lang="en-US" dirty="0" err="1"/>
-              <a:t>ời</a:t>
-            </a:r>
-            <a:r>
-              <a:rPr lang="en-US" dirty="0"/>
-              <a:t> </a:t>
-            </a:r>
-            <a:r>
-              <a:rPr lang="en-US" dirty="0" err="1"/>
-              <a:t>ai</a:t>
-            </a:r>
-            <a:r>
-              <a:rPr lang="en-US" dirty="0"/>
-              <a:t> </a:t>
-            </a:r>
-            <a:r>
-              <a:rPr lang="en-US" dirty="0" err="1"/>
-              <a:t>có</a:t>
-            </a:r>
-            <a:r>
-              <a:rPr lang="en-US" dirty="0"/>
-              <a:t> </a:t>
-            </a:r>
-            <a:r>
-              <a:rPr lang="en-US" dirty="0" err="1"/>
-              <a:t>mạch</a:t>
-            </a:r>
-            <a:r>
-              <a:rPr lang="en-US" dirty="0"/>
-              <a:t> ESP 8266 </a:t>
-            </a:r>
-            <a:r>
-              <a:rPr lang="en-US" dirty="0" err="1"/>
-              <a:t>khác</a:t>
-            </a:r>
-            <a:r>
-              <a:rPr lang="en-US" dirty="0"/>
-              <a:t> </a:t>
-            </a:r>
-            <a:r>
-              <a:rPr lang="en-US" dirty="0" err="1"/>
-              <a:t>thì</a:t>
-            </a:r>
-            <a:r>
-              <a:rPr lang="en-US" dirty="0"/>
-              <a:t> </a:t>
-            </a:r>
-            <a:r>
-              <a:rPr lang="en-US" dirty="0" err="1"/>
-              <a:t>làm</a:t>
-            </a:r>
-            <a:r>
-              <a:rPr lang="en-US" dirty="0"/>
-              <a:t> </a:t>
-            </a:r>
-            <a:r>
-              <a:rPr lang="en-US" dirty="0" err="1"/>
-              <a:t>hoàn</a:t>
-            </a:r>
-            <a:r>
-              <a:rPr lang="en-US" dirty="0"/>
-              <a:t> </a:t>
-            </a:r>
-            <a:r>
-              <a:rPr lang="en-US" dirty="0" err="1"/>
-              <a:t>toàn</a:t>
-            </a:r>
-            <a:r>
-              <a:rPr lang="en-US" dirty="0"/>
-              <a:t> t</a:t>
-            </a:r>
-            <a:r>
-              <a:rPr lang="vi-VN" dirty="0"/>
-              <a:t>ư</a:t>
-            </a:r>
-            <a:r>
-              <a:rPr lang="en-US" dirty="0" err="1"/>
-              <a:t>ơng</a:t>
-            </a:r>
-            <a:r>
-              <a:rPr lang="en-US" dirty="0"/>
-              <a:t> </a:t>
-            </a:r>
-            <a:r>
-              <a:rPr lang="en-US" dirty="0" err="1"/>
-              <a:t>tự</a:t>
-            </a:r>
             <a:endParaRPr lang="en-US" dirty="0"/>
           </a:p>
-          <a:p>
-            <a:r>
-              <a:rPr lang="en-US" dirty="0"/>
-              <a:t>Ở </a:t>
-            </a:r>
-            <a:r>
-              <a:rPr lang="en-US" dirty="0" err="1"/>
-              <a:t>đây</a:t>
-            </a:r>
-            <a:r>
-              <a:rPr lang="en-US" dirty="0"/>
-              <a:t> </a:t>
-            </a:r>
-            <a:r>
-              <a:rPr lang="en-US" dirty="0" err="1"/>
-              <a:t>mình</a:t>
-            </a:r>
-            <a:r>
-              <a:rPr lang="en-US" dirty="0"/>
-              <a:t> </a:t>
-            </a:r>
-            <a:r>
-              <a:rPr lang="en-US" dirty="0" err="1"/>
-              <a:t>nối</a:t>
-            </a:r>
-            <a:r>
-              <a:rPr lang="en-US" dirty="0"/>
-              <a:t> Led </a:t>
-            </a:r>
-            <a:r>
-              <a:rPr lang="en-US" dirty="0" err="1"/>
-              <a:t>với</a:t>
-            </a:r>
-            <a:r>
-              <a:rPr lang="en-US" dirty="0"/>
-              <a:t> </a:t>
-            </a:r>
-            <a:r>
-              <a:rPr lang="en-US" dirty="0" err="1"/>
-              <a:t>chân</a:t>
-            </a:r>
-            <a:r>
-              <a:rPr lang="en-US" dirty="0"/>
-              <a:t> GPIO </a:t>
-            </a:r>
-            <a:r>
-              <a:rPr lang="en-US" dirty="0" err="1"/>
-              <a:t>số</a:t>
-            </a:r>
-            <a:r>
-              <a:rPr lang="en-US" dirty="0"/>
-              <a:t> 05</a:t>
-            </a:r>
-          </a:p>
-          <a:p>
-            <a:endParaRPr lang="en-US" dirty="0"/>
-          </a:p>
-          <a:p>
-            <a:r>
-              <a:rPr lang="en-US" dirty="0" err="1"/>
-              <a:t>Các</a:t>
-            </a:r>
-            <a:r>
-              <a:rPr lang="en-US" dirty="0"/>
-              <a:t> </a:t>
-            </a:r>
-            <a:r>
-              <a:rPr lang="en-US" dirty="0" err="1"/>
-              <a:t>bạn</a:t>
-            </a:r>
-            <a:r>
-              <a:rPr lang="en-US" dirty="0"/>
-              <a:t> </a:t>
-            </a:r>
-            <a:r>
-              <a:rPr lang="en-US" dirty="0" err="1"/>
-              <a:t>chú</a:t>
-            </a:r>
-            <a:r>
-              <a:rPr lang="en-US" dirty="0"/>
-              <a:t> ý  Cathode </a:t>
-            </a:r>
-            <a:r>
-              <a:rPr lang="en-US" dirty="0" err="1"/>
-              <a:t>nối</a:t>
-            </a:r>
-            <a:r>
-              <a:rPr lang="en-US" dirty="0"/>
-              <a:t> </a:t>
-            </a:r>
-            <a:r>
-              <a:rPr lang="en-US" dirty="0" err="1"/>
-              <a:t>với</a:t>
-            </a:r>
-            <a:r>
-              <a:rPr lang="en-US" dirty="0"/>
-              <a:t> </a:t>
-            </a:r>
-            <a:r>
-              <a:rPr lang="en-US" dirty="0" err="1"/>
-              <a:t>cực</a:t>
-            </a:r>
-            <a:r>
-              <a:rPr lang="en-US" dirty="0"/>
-              <a:t> </a:t>
-            </a:r>
-            <a:r>
-              <a:rPr lang="en-US" dirty="0" err="1"/>
-              <a:t>âm</a:t>
-            </a:r>
-            <a:r>
-              <a:rPr lang="en-US" dirty="0"/>
-              <a:t> (</a:t>
-            </a:r>
-            <a:r>
-              <a:rPr lang="en-US" dirty="0" err="1"/>
-              <a:t>Có</a:t>
-            </a:r>
-            <a:r>
-              <a:rPr lang="en-US" dirty="0"/>
-              <a:t> </a:t>
-            </a:r>
-            <a:r>
-              <a:rPr lang="en-US" dirty="0" err="1"/>
-              <a:t>đầu</a:t>
-            </a:r>
-            <a:r>
-              <a:rPr lang="en-US" dirty="0"/>
-              <a:t> to)</a:t>
-            </a:r>
-          </a:p>
-          <a:p>
-            <a:r>
-              <a:rPr lang="en-US" dirty="0"/>
-              <a:t>Anode </a:t>
-            </a:r>
-            <a:r>
-              <a:rPr lang="en-US" dirty="0" err="1"/>
-              <a:t>nối</a:t>
-            </a:r>
-            <a:r>
-              <a:rPr lang="en-US" dirty="0"/>
-              <a:t> </a:t>
-            </a:r>
-            <a:r>
-              <a:rPr lang="en-US" dirty="0" err="1"/>
-              <a:t>với</a:t>
-            </a:r>
-            <a:r>
-              <a:rPr lang="en-US" dirty="0"/>
-              <a:t> </a:t>
-            </a:r>
-            <a:r>
-              <a:rPr lang="en-US" dirty="0" err="1"/>
-              <a:t>cực</a:t>
-            </a:r>
-            <a:r>
-              <a:rPr lang="en-US" dirty="0"/>
-              <a:t> d</a:t>
-            </a:r>
-            <a:r>
-              <a:rPr lang="vi-VN" dirty="0"/>
-              <a:t>ư</a:t>
-            </a:r>
-            <a:r>
-              <a:rPr lang="en-US" dirty="0" err="1"/>
-              <a:t>ơng</a:t>
-            </a:r>
-            <a:r>
-              <a:rPr lang="en-US" dirty="0"/>
-              <a:t>( </a:t>
-            </a:r>
-            <a:r>
-              <a:rPr lang="en-US" dirty="0" err="1"/>
-              <a:t>Đầu</a:t>
-            </a:r>
-            <a:r>
-              <a:rPr lang="en-US" dirty="0"/>
-              <a:t> </a:t>
-            </a:r>
-            <a:r>
-              <a:rPr lang="en-US" dirty="0" err="1"/>
-              <a:t>nhỏ</a:t>
-            </a:r>
-            <a:r>
-              <a:rPr lang="en-US" dirty="0"/>
-              <a:t>)</a:t>
-            </a:r>
-          </a:p>
         </p:txBody>
       </p:sp>
       <p:sp>
@@ -1300,7 +1297,7 @@
             <a:spLocks noGrp="1"/>
           </p:cNvSpPr>
           <p:nvPr>
-            <p:ph type="sldNum" sz="quarter" idx="10"/>
+            <p:ph type="sldNum" sz="quarter" idx="5"/>
           </p:nvPr>
         </p:nvSpPr>
         <p:spPr/>
@@ -1319,7 +1316,7 @@
     </p:spTree>
     <p:extLst>
       <p:ext uri="{BB962C8B-B14F-4D97-AF65-F5344CB8AC3E}">
-        <p14:creationId xmlns:p14="http://schemas.microsoft.com/office/powerpoint/2010/main" val="2351469305"/>
+        <p14:creationId xmlns:p14="http://schemas.microsoft.com/office/powerpoint/2010/main" val="1045626555"/>
       </p:ext>
     </p:extLst>
   </p:cSld>
@@ -1384,7 +1381,7 @@
             <a:spLocks noGrp="1"/>
           </p:cNvSpPr>
           <p:nvPr>
-            <p:ph type="sldNum" sz="quarter" idx="10"/>
+            <p:ph type="sldNum" sz="quarter" idx="5"/>
           </p:nvPr>
         </p:nvSpPr>
         <p:spPr/>
@@ -1403,7 +1400,596 @@
     </p:spTree>
     <p:extLst>
       <p:ext uri="{BB962C8B-B14F-4D97-AF65-F5344CB8AC3E}">
-        <p14:creationId xmlns:p14="http://schemas.microsoft.com/office/powerpoint/2010/main" val="2224702328"/>
+        <p14:creationId xmlns:p14="http://schemas.microsoft.com/office/powerpoint/2010/main" val="1771933073"/>
+      </p:ext>
+    </p:extLst>
+  </p:cSld>
+  <p:clrMapOvr>
+    <a:masterClrMapping/>
+  </p:clrMapOvr>
+</p:notes>
+</file>
+
+<file path=ppt/notesSlides/notesSlide4.xml><?xml version="1.0" encoding="utf-8"?>
+<p:notes xmlns:a="http://schemas.openxmlformats.org/drawingml/2006/main" xmlns:r="http://schemas.openxmlformats.org/officeDocument/2006/relationships" xmlns:p="http://schemas.openxmlformats.org/presentationml/2006/main">
+  <p:cSld>
+    <p:spTree>
+      <p:nvGrpSpPr>
+        <p:cNvPr id="1" name=""/>
+        <p:cNvGrpSpPr/>
+        <p:nvPr/>
+      </p:nvGrpSpPr>
+      <p:grpSpPr>
+        <a:xfrm>
+          <a:off x="0" y="0"/>
+          <a:ext cx="0" cy="0"/>
+          <a:chOff x="0" y="0"/>
+          <a:chExt cx="0" cy="0"/>
+        </a:xfrm>
+      </p:grpSpPr>
+      <p:sp>
+        <p:nvSpPr>
+          <p:cNvPr id="2" name="Chỗ dành sẵn cho Hình ảnh của Bản chiếu 1"/>
+          <p:cNvSpPr>
+            <a:spLocks noGrp="1" noRot="1" noChangeAspect="1"/>
+          </p:cNvSpPr>
+          <p:nvPr>
+            <p:ph type="sldImg"/>
+          </p:nvPr>
+        </p:nvSpPr>
+        <p:spPr/>
+      </p:sp>
+      <p:sp>
+        <p:nvSpPr>
+          <p:cNvPr id="3" name="Chỗ dành sẵn cho Ghi chú 2"/>
+          <p:cNvSpPr>
+            <a:spLocks noGrp="1"/>
+          </p:cNvSpPr>
+          <p:nvPr>
+            <p:ph type="body" idx="1"/>
+          </p:nvPr>
+        </p:nvSpPr>
+        <p:spPr/>
+        <p:txBody>
+          <a:bodyPr/>
+          <a:lstStyle/>
+          <a:p>
+            <a:endParaRPr lang="en-US" dirty="0"/>
+          </a:p>
+        </p:txBody>
+      </p:sp>
+      <p:sp>
+        <p:nvSpPr>
+          <p:cNvPr id="4" name="Chỗ dành sẵn cho Số hiệu Bản chiếu 3"/>
+          <p:cNvSpPr>
+            <a:spLocks noGrp="1"/>
+          </p:cNvSpPr>
+          <p:nvPr>
+            <p:ph type="sldNum" sz="quarter" idx="10"/>
+          </p:nvPr>
+        </p:nvSpPr>
+        <p:spPr/>
+        <p:txBody>
+          <a:bodyPr/>
+          <a:lstStyle/>
+          <a:p>
+            <a:fld id="{565DF8DC-7253-4D41-B5FB-31730F6BCE5E}" type="slidenum">
+              <a:rPr lang="en-US" smtClean="0"/>
+              <a:t>5</a:t>
+            </a:fld>
+            <a:endParaRPr lang="en-US"/>
+          </a:p>
+        </p:txBody>
+      </p:sp>
+    </p:spTree>
+    <p:extLst>
+      <p:ext uri="{BB962C8B-B14F-4D97-AF65-F5344CB8AC3E}">
+        <p14:creationId xmlns:p14="http://schemas.microsoft.com/office/powerpoint/2010/main" val="3477853102"/>
+      </p:ext>
+    </p:extLst>
+  </p:cSld>
+  <p:clrMapOvr>
+    <a:masterClrMapping/>
+  </p:clrMapOvr>
+</p:notes>
+</file>
+
+<file path=ppt/notesSlides/notesSlide5.xml><?xml version="1.0" encoding="utf-8"?>
+<p:notes xmlns:a="http://schemas.openxmlformats.org/drawingml/2006/main" xmlns:r="http://schemas.openxmlformats.org/officeDocument/2006/relationships" xmlns:p="http://schemas.openxmlformats.org/presentationml/2006/main">
+  <p:cSld>
+    <p:spTree>
+      <p:nvGrpSpPr>
+        <p:cNvPr id="1" name=""/>
+        <p:cNvGrpSpPr/>
+        <p:nvPr/>
+      </p:nvGrpSpPr>
+      <p:grpSpPr>
+        <a:xfrm>
+          <a:off x="0" y="0"/>
+          <a:ext cx="0" cy="0"/>
+          <a:chOff x="0" y="0"/>
+          <a:chExt cx="0" cy="0"/>
+        </a:xfrm>
+      </p:grpSpPr>
+      <p:sp>
+        <p:nvSpPr>
+          <p:cNvPr id="2" name="Chỗ dành sẵn cho Hình ảnh của Bản chiếu 1"/>
+          <p:cNvSpPr>
+            <a:spLocks noGrp="1" noRot="1" noChangeAspect="1"/>
+          </p:cNvSpPr>
+          <p:nvPr>
+            <p:ph type="sldImg"/>
+          </p:nvPr>
+        </p:nvSpPr>
+        <p:spPr/>
+      </p:sp>
+      <p:sp>
+        <p:nvSpPr>
+          <p:cNvPr id="3" name="Chỗ dành sẵn cho Ghi chú 2"/>
+          <p:cNvSpPr>
+            <a:spLocks noGrp="1"/>
+          </p:cNvSpPr>
+          <p:nvPr>
+            <p:ph type="body" idx="1"/>
+          </p:nvPr>
+        </p:nvSpPr>
+        <p:spPr/>
+        <p:txBody>
+          <a:bodyPr/>
+          <a:lstStyle/>
+          <a:p>
+            <a:endParaRPr lang="en-US" dirty="0"/>
+          </a:p>
+        </p:txBody>
+      </p:sp>
+      <p:sp>
+        <p:nvSpPr>
+          <p:cNvPr id="4" name="Chỗ dành sẵn cho Số hiệu Bản chiếu 3"/>
+          <p:cNvSpPr>
+            <a:spLocks noGrp="1"/>
+          </p:cNvSpPr>
+          <p:nvPr>
+            <p:ph type="sldNum" sz="quarter" idx="10"/>
+          </p:nvPr>
+        </p:nvSpPr>
+        <p:spPr/>
+        <p:txBody>
+          <a:bodyPr/>
+          <a:lstStyle/>
+          <a:p>
+            <a:fld id="{565DF8DC-7253-4D41-B5FB-31730F6BCE5E}" type="slidenum">
+              <a:rPr lang="en-US" smtClean="0"/>
+              <a:t>6</a:t>
+            </a:fld>
+            <a:endParaRPr lang="en-US"/>
+          </a:p>
+        </p:txBody>
+      </p:sp>
+    </p:spTree>
+    <p:extLst>
+      <p:ext uri="{BB962C8B-B14F-4D97-AF65-F5344CB8AC3E}">
+        <p14:creationId xmlns:p14="http://schemas.microsoft.com/office/powerpoint/2010/main" val="1350369976"/>
+      </p:ext>
+    </p:extLst>
+  </p:cSld>
+  <p:clrMapOvr>
+    <a:masterClrMapping/>
+  </p:clrMapOvr>
+</p:notes>
+</file>
+
+<file path=ppt/notesSlides/notesSlide6.xml><?xml version="1.0" encoding="utf-8"?>
+<p:notes xmlns:a="http://schemas.openxmlformats.org/drawingml/2006/main" xmlns:r="http://schemas.openxmlformats.org/officeDocument/2006/relationships" xmlns:p="http://schemas.openxmlformats.org/presentationml/2006/main">
+  <p:cSld>
+    <p:spTree>
+      <p:nvGrpSpPr>
+        <p:cNvPr id="1" name=""/>
+        <p:cNvGrpSpPr/>
+        <p:nvPr/>
+      </p:nvGrpSpPr>
+      <p:grpSpPr>
+        <a:xfrm>
+          <a:off x="0" y="0"/>
+          <a:ext cx="0" cy="0"/>
+          <a:chOff x="0" y="0"/>
+          <a:chExt cx="0" cy="0"/>
+        </a:xfrm>
+      </p:grpSpPr>
+      <p:sp>
+        <p:nvSpPr>
+          <p:cNvPr id="2" name="Chỗ dành sẵn cho Hình ảnh của Bản chiếu 1"/>
+          <p:cNvSpPr>
+            <a:spLocks noGrp="1" noRot="1" noChangeAspect="1"/>
+          </p:cNvSpPr>
+          <p:nvPr>
+            <p:ph type="sldImg"/>
+          </p:nvPr>
+        </p:nvSpPr>
+        <p:spPr/>
+      </p:sp>
+      <p:sp>
+        <p:nvSpPr>
+          <p:cNvPr id="3" name="Chỗ dành sẵn cho Ghi chú 2"/>
+          <p:cNvSpPr>
+            <a:spLocks noGrp="1"/>
+          </p:cNvSpPr>
+          <p:nvPr>
+            <p:ph type="body" idx="1"/>
+          </p:nvPr>
+        </p:nvSpPr>
+        <p:spPr/>
+        <p:txBody>
+          <a:bodyPr/>
+          <a:lstStyle/>
+          <a:p>
+            <a:r>
+              <a:rPr lang="en-US" dirty="0" err="1"/>
+              <a:t>Đây</a:t>
+            </a:r>
+            <a:r>
+              <a:rPr lang="en-US" dirty="0"/>
+              <a:t> </a:t>
+            </a:r>
+            <a:r>
+              <a:rPr lang="en-US" dirty="0" err="1"/>
+              <a:t>mình</a:t>
+            </a:r>
+            <a:r>
+              <a:rPr lang="en-US" dirty="0"/>
+              <a:t> </a:t>
+            </a:r>
+            <a:r>
+              <a:rPr lang="en-US" dirty="0" err="1"/>
+              <a:t>có</a:t>
+            </a:r>
+            <a:r>
+              <a:rPr lang="en-US" dirty="0"/>
+              <a:t> </a:t>
+            </a:r>
+            <a:r>
+              <a:rPr lang="en-US" dirty="0" err="1"/>
+              <a:t>vẽ</a:t>
+            </a:r>
+            <a:r>
+              <a:rPr lang="en-US" dirty="0"/>
+              <a:t> </a:t>
+            </a:r>
+            <a:r>
+              <a:rPr lang="en-US" dirty="0" err="1"/>
+              <a:t>mạch</a:t>
+            </a:r>
+            <a:r>
+              <a:rPr lang="en-US" dirty="0"/>
+              <a:t> </a:t>
+            </a:r>
+            <a:r>
+              <a:rPr lang="en-US" dirty="0" err="1"/>
+              <a:t>theo</a:t>
+            </a:r>
+            <a:r>
+              <a:rPr lang="en-US" dirty="0"/>
+              <a:t> Board  ESP 8266 Uno. </a:t>
+            </a:r>
+            <a:r>
+              <a:rPr lang="en-US" dirty="0" err="1"/>
+              <a:t>Mọi</a:t>
+            </a:r>
+            <a:r>
+              <a:rPr lang="en-US" dirty="0"/>
+              <a:t> ng</a:t>
+            </a:r>
+            <a:r>
+              <a:rPr lang="vi-VN" dirty="0"/>
+              <a:t>ư</a:t>
+            </a:r>
+            <a:r>
+              <a:rPr lang="en-US" dirty="0" err="1"/>
+              <a:t>ời</a:t>
+            </a:r>
+            <a:r>
+              <a:rPr lang="en-US" dirty="0"/>
+              <a:t> </a:t>
+            </a:r>
+            <a:r>
+              <a:rPr lang="en-US" dirty="0" err="1"/>
+              <a:t>ai</a:t>
+            </a:r>
+            <a:r>
+              <a:rPr lang="en-US" dirty="0"/>
+              <a:t> </a:t>
+            </a:r>
+            <a:r>
+              <a:rPr lang="en-US" dirty="0" err="1"/>
+              <a:t>có</a:t>
+            </a:r>
+            <a:r>
+              <a:rPr lang="en-US" dirty="0"/>
+              <a:t> </a:t>
+            </a:r>
+            <a:r>
+              <a:rPr lang="en-US" dirty="0" err="1"/>
+              <a:t>mạch</a:t>
+            </a:r>
+            <a:r>
+              <a:rPr lang="en-US" dirty="0"/>
+              <a:t> ESP 8266 </a:t>
+            </a:r>
+            <a:r>
+              <a:rPr lang="en-US" dirty="0" err="1"/>
+              <a:t>khác</a:t>
+            </a:r>
+            <a:r>
+              <a:rPr lang="en-US" dirty="0"/>
+              <a:t> </a:t>
+            </a:r>
+            <a:r>
+              <a:rPr lang="en-US" dirty="0" err="1"/>
+              <a:t>thì</a:t>
+            </a:r>
+            <a:r>
+              <a:rPr lang="en-US" dirty="0"/>
+              <a:t> </a:t>
+            </a:r>
+            <a:r>
+              <a:rPr lang="en-US" dirty="0" err="1"/>
+              <a:t>làm</a:t>
+            </a:r>
+            <a:r>
+              <a:rPr lang="en-US" dirty="0"/>
+              <a:t> </a:t>
+            </a:r>
+            <a:r>
+              <a:rPr lang="en-US" dirty="0" err="1"/>
+              <a:t>hoàn</a:t>
+            </a:r>
+            <a:r>
+              <a:rPr lang="en-US" dirty="0"/>
+              <a:t> </a:t>
+            </a:r>
+            <a:r>
+              <a:rPr lang="en-US" dirty="0" err="1"/>
+              <a:t>toàn</a:t>
+            </a:r>
+            <a:r>
+              <a:rPr lang="en-US" dirty="0"/>
+              <a:t> t</a:t>
+            </a:r>
+            <a:r>
+              <a:rPr lang="vi-VN" dirty="0"/>
+              <a:t>ư</a:t>
+            </a:r>
+            <a:r>
+              <a:rPr lang="en-US" dirty="0" err="1"/>
+              <a:t>ơng</a:t>
+            </a:r>
+            <a:r>
+              <a:rPr lang="en-US" dirty="0"/>
+              <a:t> </a:t>
+            </a:r>
+            <a:r>
+              <a:rPr lang="en-US" dirty="0" err="1"/>
+              <a:t>tự</a:t>
+            </a:r>
+            <a:endParaRPr lang="en-US" dirty="0"/>
+          </a:p>
+          <a:p>
+            <a:r>
+              <a:rPr lang="en-US" dirty="0"/>
+              <a:t>Ở </a:t>
+            </a:r>
+            <a:r>
+              <a:rPr lang="en-US" dirty="0" err="1"/>
+              <a:t>đây</a:t>
+            </a:r>
+            <a:r>
+              <a:rPr lang="en-US" dirty="0"/>
+              <a:t> </a:t>
+            </a:r>
+            <a:r>
+              <a:rPr lang="en-US" dirty="0" err="1"/>
+              <a:t>mình</a:t>
+            </a:r>
+            <a:r>
+              <a:rPr lang="en-US" dirty="0"/>
+              <a:t> </a:t>
+            </a:r>
+            <a:r>
+              <a:rPr lang="en-US" dirty="0" err="1"/>
+              <a:t>nối</a:t>
+            </a:r>
+            <a:r>
+              <a:rPr lang="en-US" dirty="0"/>
+              <a:t> Led </a:t>
+            </a:r>
+            <a:r>
+              <a:rPr lang="en-US" dirty="0" err="1"/>
+              <a:t>với</a:t>
+            </a:r>
+            <a:r>
+              <a:rPr lang="en-US" dirty="0"/>
+              <a:t> </a:t>
+            </a:r>
+            <a:r>
+              <a:rPr lang="en-US" dirty="0" err="1"/>
+              <a:t>chân</a:t>
+            </a:r>
+            <a:r>
+              <a:rPr lang="en-US" dirty="0"/>
+              <a:t> GPIO </a:t>
+            </a:r>
+            <a:r>
+              <a:rPr lang="en-US" dirty="0" err="1"/>
+              <a:t>số</a:t>
+            </a:r>
+            <a:r>
+              <a:rPr lang="en-US" dirty="0"/>
+              <a:t> 05</a:t>
+            </a:r>
+          </a:p>
+          <a:p>
+            <a:endParaRPr lang="en-US" dirty="0"/>
+          </a:p>
+          <a:p>
+            <a:r>
+              <a:rPr lang="en-US" dirty="0" err="1"/>
+              <a:t>Các</a:t>
+            </a:r>
+            <a:r>
+              <a:rPr lang="en-US" dirty="0"/>
+              <a:t> </a:t>
+            </a:r>
+            <a:r>
+              <a:rPr lang="en-US" dirty="0" err="1"/>
+              <a:t>bạn</a:t>
+            </a:r>
+            <a:r>
+              <a:rPr lang="en-US" dirty="0"/>
+              <a:t> </a:t>
+            </a:r>
+            <a:r>
+              <a:rPr lang="en-US" dirty="0" err="1"/>
+              <a:t>chú</a:t>
+            </a:r>
+            <a:r>
+              <a:rPr lang="en-US" dirty="0"/>
+              <a:t> ý  Cathode </a:t>
+            </a:r>
+            <a:r>
+              <a:rPr lang="en-US" dirty="0" err="1"/>
+              <a:t>nối</a:t>
+            </a:r>
+            <a:r>
+              <a:rPr lang="en-US" dirty="0"/>
+              <a:t> </a:t>
+            </a:r>
+            <a:r>
+              <a:rPr lang="en-US" dirty="0" err="1"/>
+              <a:t>với</a:t>
+            </a:r>
+            <a:r>
+              <a:rPr lang="en-US" dirty="0"/>
+              <a:t> </a:t>
+            </a:r>
+            <a:r>
+              <a:rPr lang="en-US" dirty="0" err="1"/>
+              <a:t>cực</a:t>
+            </a:r>
+            <a:r>
+              <a:rPr lang="en-US" dirty="0"/>
+              <a:t> </a:t>
+            </a:r>
+            <a:r>
+              <a:rPr lang="en-US" dirty="0" err="1"/>
+              <a:t>âm</a:t>
+            </a:r>
+            <a:r>
+              <a:rPr lang="en-US" dirty="0"/>
+              <a:t> (</a:t>
+            </a:r>
+            <a:r>
+              <a:rPr lang="en-US" dirty="0" err="1"/>
+              <a:t>Có</a:t>
+            </a:r>
+            <a:r>
+              <a:rPr lang="en-US" dirty="0"/>
+              <a:t> </a:t>
+            </a:r>
+            <a:r>
+              <a:rPr lang="en-US" dirty="0" err="1"/>
+              <a:t>đầu</a:t>
+            </a:r>
+            <a:r>
+              <a:rPr lang="en-US" dirty="0"/>
+              <a:t> to)</a:t>
+            </a:r>
+          </a:p>
+          <a:p>
+            <a:r>
+              <a:rPr lang="en-US" dirty="0"/>
+              <a:t>Anode </a:t>
+            </a:r>
+            <a:r>
+              <a:rPr lang="en-US" dirty="0" err="1"/>
+              <a:t>nối</a:t>
+            </a:r>
+            <a:r>
+              <a:rPr lang="en-US" dirty="0"/>
+              <a:t> </a:t>
+            </a:r>
+            <a:r>
+              <a:rPr lang="en-US" dirty="0" err="1"/>
+              <a:t>với</a:t>
+            </a:r>
+            <a:r>
+              <a:rPr lang="en-US" dirty="0"/>
+              <a:t> </a:t>
+            </a:r>
+            <a:r>
+              <a:rPr lang="en-US" dirty="0" err="1"/>
+              <a:t>cực</a:t>
+            </a:r>
+            <a:r>
+              <a:rPr lang="en-US" dirty="0"/>
+              <a:t> d</a:t>
+            </a:r>
+            <a:r>
+              <a:rPr lang="vi-VN" dirty="0"/>
+              <a:t>ư</a:t>
+            </a:r>
+            <a:r>
+              <a:rPr lang="en-US" dirty="0" err="1"/>
+              <a:t>ơng</a:t>
+            </a:r>
+            <a:r>
+              <a:rPr lang="en-US" dirty="0"/>
+              <a:t>( </a:t>
+            </a:r>
+            <a:r>
+              <a:rPr lang="en-US" dirty="0" err="1"/>
+              <a:t>Đầu</a:t>
+            </a:r>
+            <a:r>
+              <a:rPr lang="en-US" dirty="0"/>
+              <a:t> </a:t>
+            </a:r>
+            <a:r>
+              <a:rPr lang="en-US" dirty="0" err="1"/>
+              <a:t>nhỏ</a:t>
+            </a:r>
+            <a:r>
+              <a:rPr lang="en-US" dirty="0"/>
+              <a:t>)</a:t>
+            </a:r>
+          </a:p>
+        </p:txBody>
+      </p:sp>
+      <p:sp>
+        <p:nvSpPr>
+          <p:cNvPr id="4" name="Chỗ dành sẵn cho Số hiệu Bản chiếu 3"/>
+          <p:cNvSpPr>
+            <a:spLocks noGrp="1"/>
+          </p:cNvSpPr>
+          <p:nvPr>
+            <p:ph type="sldNum" sz="quarter" idx="10"/>
+          </p:nvPr>
+        </p:nvSpPr>
+        <p:spPr/>
+        <p:txBody>
+          <a:bodyPr/>
+          <a:lstStyle/>
+          <a:p>
+            <a:fld id="{565DF8DC-7253-4D41-B5FB-31730F6BCE5E}" type="slidenum">
+              <a:rPr lang="en-US" smtClean="0"/>
+              <a:t>7</a:t>
+            </a:fld>
+            <a:endParaRPr lang="en-US"/>
+          </a:p>
+        </p:txBody>
+      </p:sp>
+    </p:spTree>
+    <p:extLst>
+      <p:ext uri="{BB962C8B-B14F-4D97-AF65-F5344CB8AC3E}">
+        <p14:creationId xmlns:p14="http://schemas.microsoft.com/office/powerpoint/2010/main" val="2351469305"/>
       </p:ext>
     </p:extLst>
   </p:cSld>
@@ -1562,7 +2148,7 @@
           <a:p>
             <a:fld id="{F1C761E4-4213-4FD4-9B54-B60716A2CCD2}" type="datetimeFigureOut">
               <a:rPr lang="en-US" smtClean="0"/>
-              <a:t>10/01/2018</a:t>
+              <a:t>10/07/2018</a:t>
             </a:fld>
             <a:endParaRPr lang="en-US"/>
           </a:p>
@@ -1762,7 +2348,7 @@
           <a:p>
             <a:fld id="{F1C761E4-4213-4FD4-9B54-B60716A2CCD2}" type="datetimeFigureOut">
               <a:rPr lang="en-US" smtClean="0"/>
-              <a:t>10/01/2018</a:t>
+              <a:t>10/07/2018</a:t>
             </a:fld>
             <a:endParaRPr lang="en-US"/>
           </a:p>
@@ -1972,7 +2558,7 @@
           <a:p>
             <a:fld id="{F1C761E4-4213-4FD4-9B54-B60716A2CCD2}" type="datetimeFigureOut">
               <a:rPr lang="en-US" smtClean="0"/>
-              <a:t>10/01/2018</a:t>
+              <a:t>10/07/2018</a:t>
             </a:fld>
             <a:endParaRPr lang="en-US"/>
           </a:p>
@@ -2404,7 +2990,7 @@
           <a:p>
             <a:fld id="{F1C761E4-4213-4FD4-9B54-B60716A2CCD2}" type="datetimeFigureOut">
               <a:rPr lang="en-US" smtClean="0"/>
-              <a:t>10/01/2018</a:t>
+              <a:t>10/07/2018</a:t>
             </a:fld>
             <a:endParaRPr lang="en-US"/>
           </a:p>
@@ -2680,7 +3266,7 @@
           <a:p>
             <a:fld id="{F1C761E4-4213-4FD4-9B54-B60716A2CCD2}" type="datetimeFigureOut">
               <a:rPr lang="en-US" smtClean="0"/>
-              <a:t>10/01/2018</a:t>
+              <a:t>10/07/2018</a:t>
             </a:fld>
             <a:endParaRPr lang="en-US"/>
           </a:p>
@@ -2948,7 +3534,7 @@
           <a:p>
             <a:fld id="{F1C761E4-4213-4FD4-9B54-B60716A2CCD2}" type="datetimeFigureOut">
               <a:rPr lang="en-US" smtClean="0"/>
-              <a:t>10/01/2018</a:t>
+              <a:t>10/07/2018</a:t>
             </a:fld>
             <a:endParaRPr lang="en-US"/>
           </a:p>
@@ -3363,7 +3949,7 @@
           <a:p>
             <a:fld id="{F1C761E4-4213-4FD4-9B54-B60716A2CCD2}" type="datetimeFigureOut">
               <a:rPr lang="en-US" smtClean="0"/>
-              <a:t>10/01/2018</a:t>
+              <a:t>10/07/2018</a:t>
             </a:fld>
             <a:endParaRPr lang="en-US"/>
           </a:p>
@@ -3505,7 +4091,7 @@
           <a:p>
             <a:fld id="{F1C761E4-4213-4FD4-9B54-B60716A2CCD2}" type="datetimeFigureOut">
               <a:rPr lang="en-US" smtClean="0"/>
-              <a:t>10/01/2018</a:t>
+              <a:t>10/07/2018</a:t>
             </a:fld>
             <a:endParaRPr lang="en-US"/>
           </a:p>
@@ -3618,7 +4204,7 @@
           <a:p>
             <a:fld id="{F1C761E4-4213-4FD4-9B54-B60716A2CCD2}" type="datetimeFigureOut">
               <a:rPr lang="en-US" smtClean="0"/>
-              <a:t>10/01/2018</a:t>
+              <a:t>10/07/2018</a:t>
             </a:fld>
             <a:endParaRPr lang="en-US"/>
           </a:p>
@@ -3931,7 +4517,7 @@
           <a:p>
             <a:fld id="{F1C761E4-4213-4FD4-9B54-B60716A2CCD2}" type="datetimeFigureOut">
               <a:rPr lang="en-US" smtClean="0"/>
-              <a:t>10/01/2018</a:t>
+              <a:t>10/07/2018</a:t>
             </a:fld>
             <a:endParaRPr lang="en-US"/>
           </a:p>
@@ -4220,7 +4806,7 @@
           <a:p>
             <a:fld id="{F1C761E4-4213-4FD4-9B54-B60716A2CCD2}" type="datetimeFigureOut">
               <a:rPr lang="en-US" smtClean="0"/>
-              <a:t>10/01/2018</a:t>
+              <a:t>10/07/2018</a:t>
             </a:fld>
             <a:endParaRPr lang="en-US"/>
           </a:p>
@@ -4463,7 +5049,7 @@
           <a:p>
             <a:fld id="{F1C761E4-4213-4FD4-9B54-B60716A2CCD2}" type="datetimeFigureOut">
               <a:rPr lang="en-US" smtClean="0"/>
-              <a:t>10/01/2018</a:t>
+              <a:t>10/07/2018</a:t>
             </a:fld>
             <a:endParaRPr lang="en-US"/>
           </a:p>
@@ -5130,7 +5716,7 @@
           <a:p>
             <a:r>
               <a:rPr lang="en-US" dirty="0" err="1"/>
-              <a:t>Dụng</a:t>
+              <a:t>Phần</a:t>
             </a:r>
             <a:r>
               <a:rPr lang="en-US" dirty="0"/>
@@ -5138,7 +5724,7 @@
             </a:r>
             <a:r>
               <a:rPr lang="en-US" dirty="0" err="1"/>
-              <a:t>cụ</a:t>
+              <a:t>cứng</a:t>
             </a:r>
             <a:r>
               <a:rPr lang="en-US" dirty="0"/>
@@ -5833,10 +6419,66 @@
             <p:ph type="title"/>
           </p:nvPr>
         </p:nvSpPr>
+        <p:spPr/>
+        <p:txBody>
+          <a:bodyPr/>
+          <a:lstStyle/>
+          <a:p>
+            <a:r>
+              <a:rPr lang="en-US" dirty="0" err="1"/>
+              <a:t>Phần</a:t>
+            </a:r>
+            <a:r>
+              <a:rPr lang="en-US" dirty="0"/>
+              <a:t> </a:t>
+            </a:r>
+            <a:r>
+              <a:rPr lang="en-US" dirty="0" err="1"/>
+              <a:t>mềm</a:t>
+            </a:r>
+            <a:r>
+              <a:rPr lang="en-US" dirty="0"/>
+              <a:t> </a:t>
+            </a:r>
+            <a:r>
+              <a:rPr lang="en-US" dirty="0" err="1"/>
+              <a:t>cần</a:t>
+            </a:r>
+            <a:r>
+              <a:rPr lang="en-US" dirty="0"/>
+              <a:t> </a:t>
+            </a:r>
+            <a:r>
+              <a:rPr lang="en-US" dirty="0" err="1"/>
+              <a:t>thiết</a:t>
+            </a:r>
+            <a:r>
+              <a:rPr lang="en-US" dirty="0"/>
+              <a:t>:</a:t>
+            </a:r>
+          </a:p>
+        </p:txBody>
+      </p:sp>
+      <p:sp>
+        <p:nvSpPr>
+          <p:cNvPr id="3" name="Chỗ dành sẵn cho Nội dung 2">
+            <a:extLst>
+              <a:ext uri="{FF2B5EF4-FFF2-40B4-BE49-F238E27FC236}">
+                <a16:creationId xmlns:a16="http://schemas.microsoft.com/office/drawing/2014/main" id="{28C742A5-9D53-4B67-A126-D4C191B39425}"/>
+              </a:ext>
+            </a:extLst>
+          </p:cNvPr>
+          <p:cNvSpPr>
+            <a:spLocks noGrp="1"/>
+          </p:cNvSpPr>
+          <p:nvPr>
+            <p:ph idx="1"/>
+          </p:nvPr>
+        </p:nvSpPr>
         <p:spPr>
           <a:xfrm>
-            <a:off x="838200" y="365125"/>
-            <a:ext cx="10515600" cy="1325563"/>
+            <a:off x="838200" y="1825625"/>
+            <a:ext cx="10515600" cy="4351338"/>
           </a:xfrm>
         </p:spPr>
         <p:txBody>
@@ -5844,8 +6486,14 @@
           <a:lstStyle/>
           <a:p>
             <a:r>
-              <a:rPr lang="en-US" dirty="0" err="1"/>
-              <a:t>Mô</a:t>
+              <a:rPr lang="en-US" dirty="0"/>
+              <a:t>Arduino IDE</a:t>
+            </a:r>
+          </a:p>
+          <a:p>
+            <a:r>
+              <a:rPr lang="en-US" dirty="0" err="1"/>
+              <a:t>Thư</a:t>
             </a:r>
             <a:r>
               <a:rPr lang="en-US" dirty="0"/>
@@ -5853,7 +6501,32 @@
             </a:r>
             <a:r>
               <a:rPr lang="en-US" dirty="0" err="1"/>
-              <a:t>hình</a:t>
+              <a:t>viện</a:t>
+            </a:r>
+            <a:r>
+              <a:rPr lang="en-US" dirty="0"/>
+              <a:t> Arduino </a:t>
+            </a:r>
+            <a:r>
+              <a:rPr lang="en-US" dirty="0" err="1"/>
+              <a:t>cho</a:t>
+            </a:r>
+            <a:r>
+              <a:rPr lang="en-US" dirty="0"/>
+              <a:t> ESP 8266</a:t>
+            </a:r>
+          </a:p>
+          <a:p>
+            <a:endParaRPr lang="en-US" dirty="0"/>
+          </a:p>
+          <a:p>
+            <a:pPr>
+              <a:buFont typeface="Wingdings" panose="05000000000000000000" pitchFamily="2" charset="2"/>
+              <a:buChar char="Ø"/>
+            </a:pPr>
+            <a:r>
+              <a:rPr lang="en-US" dirty="0" err="1"/>
+              <a:t>Tham</a:t>
             </a:r>
             <a:r>
               <a:rPr lang="en-US" dirty="0"/>
@@ -5861,7 +6534,7 @@
             </a:r>
             <a:r>
               <a:rPr lang="en-US" dirty="0" err="1"/>
-              <a:t>thiết</a:t>
+              <a:t>khảo</a:t>
             </a:r>
             <a:r>
               <a:rPr lang="en-US" dirty="0"/>
@@ -5869,15 +6542,19 @@
             </a:r>
             <a:r>
               <a:rPr lang="en-US" dirty="0" err="1"/>
-              <a:t>kế</a:t>
-            </a:r>
-            <a:r>
-              <a:rPr lang="en-US" dirty="0"/>
-              <a:t>: </a:t>
-            </a:r>
-            <a:r>
-              <a:rPr lang="en-US" dirty="0" err="1"/>
-              <a:t>phía</a:t>
+              <a:t>các</a:t>
+            </a:r>
+            <a:r>
+              <a:rPr lang="en-US" dirty="0"/>
+              <a:t> b</a:t>
+            </a:r>
+            <a:r>
+              <a:rPr lang="vi-VN" dirty="0"/>
+              <a:t>ư</a:t>
+            </a:r>
+            <a:r>
+              <a:rPr lang="en-US" dirty="0" err="1"/>
+              <a:t>ớc</a:t>
             </a:r>
             <a:r>
               <a:rPr lang="en-US" dirty="0"/>
@@ -5885,7 +6562,7 @@
             </a:r>
             <a:r>
               <a:rPr lang="en-US" dirty="0" err="1"/>
-              <a:t>thiết</a:t>
+              <a:t>cài</a:t>
             </a:r>
             <a:r>
               <a:rPr lang="en-US" dirty="0"/>
@@ -5893,258 +6570,60 @@
             </a:r>
             <a:r>
               <a:rPr lang="en-US" dirty="0" err="1"/>
-              <a:t>bị</a:t>
+              <a:t>đặt</a:t>
+            </a:r>
+            <a:r>
+              <a:rPr lang="en-US" dirty="0"/>
+              <a:t> </a:t>
+            </a:r>
+            <a:r>
+              <a:rPr lang="en-US" dirty="0" err="1"/>
+              <a:t>tại</a:t>
+            </a:r>
+            <a:r>
+              <a:rPr lang="en-US" dirty="0"/>
+              <a:t> </a:t>
+            </a:r>
+            <a:r>
+              <a:rPr lang="en-US" dirty="0" err="1"/>
+              <a:t>địa</a:t>
+            </a:r>
+            <a:r>
+              <a:rPr lang="en-US" dirty="0"/>
+              <a:t> </a:t>
+            </a:r>
+            <a:r>
+              <a:rPr lang="en-US" dirty="0" err="1"/>
+              <a:t>chỉ</a:t>
+            </a:r>
+            <a:r>
+              <a:rPr lang="en-US" dirty="0"/>
+              <a:t>:</a:t>
+            </a:r>
+            <a:br>
+              <a:rPr lang="en-US" dirty="0"/>
+            </a:br>
+            <a:r>
+              <a:rPr lang="en-US" dirty="0"/>
+              <a:t>	</a:t>
+            </a:r>
+            <a:r>
+              <a:rPr lang="en-US" dirty="0">
+                <a:hlinkClick r:id="rId3"/>
+              </a:rPr>
+              <a:t>https://arduino.esp8266.vn/basic/index.html</a:t>
             </a:r>
             <a:endParaRPr lang="en-US" dirty="0"/>
           </a:p>
-        </p:txBody>
-      </p:sp>
-      <p:pic>
-        <p:nvPicPr>
-          <p:cNvPr id="16" name="Hình ảnh 15">
-            <a:extLst>
-              <a:ext uri="{FF2B5EF4-FFF2-40B4-BE49-F238E27FC236}">
-                <a16:creationId xmlns:a16="http://schemas.microsoft.com/office/drawing/2014/main" id="{983A2F2B-5DDF-461D-A1EF-7DCEB7A9D8B2}"/>
-              </a:ext>
-            </a:extLst>
-          </p:cNvPr>
-          <p:cNvPicPr>
-            <a:picLocks noChangeAspect="1"/>
-          </p:cNvPicPr>
-          <p:nvPr/>
-        </p:nvPicPr>
-        <p:blipFill>
-          <a:blip r:embed="rId3">
-            <a:extLst>
-              <a:ext uri="{28A0092B-C50C-407E-A947-70E740481C1C}">
-                <a14:useLocalDpi xmlns:a14="http://schemas.microsoft.com/office/drawing/2010/main" val="0"/>
-              </a:ext>
-            </a:extLst>
-          </a:blip>
-          <a:stretch>
-            <a:fillRect/>
-          </a:stretch>
-        </p:blipFill>
-        <p:spPr>
-          <a:xfrm>
-            <a:off x="3357969" y="1690688"/>
-            <a:ext cx="3377059" cy="4672370"/>
-          </a:xfrm>
-          <a:prstGeom prst="rect">
-            <a:avLst/>
-          </a:prstGeom>
-        </p:spPr>
-      </p:pic>
-      <p:sp>
-        <p:nvSpPr>
-          <p:cNvPr id="4" name="Hộp Văn bản 3">
-            <a:extLst>
-              <a:ext uri="{FF2B5EF4-FFF2-40B4-BE49-F238E27FC236}">
-                <a16:creationId xmlns:a16="http://schemas.microsoft.com/office/drawing/2014/main" id="{4E687418-25DB-458D-9A61-E769E4A9557F}"/>
-              </a:ext>
-            </a:extLst>
-          </p:cNvPr>
-          <p:cNvSpPr txBox="1"/>
-          <p:nvPr/>
-        </p:nvSpPr>
-        <p:spPr>
-          <a:xfrm>
-            <a:off x="6886252" y="2988869"/>
-            <a:ext cx="958917" cy="369332"/>
-          </a:xfrm>
-          <a:prstGeom prst="rect">
-            <a:avLst/>
-          </a:prstGeom>
-          <a:noFill/>
-        </p:spPr>
-        <p:txBody>
-          <a:bodyPr wrap="none" rtlCol="0">
-            <a:spAutoFit/>
-          </a:bodyPr>
-          <a:lstStyle/>
-          <a:p>
-            <a:r>
-              <a:rPr lang="en-US" b="1" dirty="0"/>
-              <a:t>GPIO 10</a:t>
-            </a:r>
-          </a:p>
-        </p:txBody>
-      </p:sp>
-      <p:cxnSp>
-        <p:nvCxnSpPr>
-          <p:cNvPr id="5" name="Đường kết nối Mũi tên Thẳng 4">
-            <a:extLst>
-              <a:ext uri="{FF2B5EF4-FFF2-40B4-BE49-F238E27FC236}">
-                <a16:creationId xmlns:a16="http://schemas.microsoft.com/office/drawing/2014/main" id="{1B2780DB-AAEC-49F7-9BCB-947370F1D6B2}"/>
-              </a:ext>
-            </a:extLst>
-          </p:cNvPr>
-          <p:cNvCxnSpPr>
-            <a:cxnSpLocks/>
-          </p:cNvCxnSpPr>
-          <p:nvPr/>
-        </p:nvCxnSpPr>
-        <p:spPr>
-          <a:xfrm flipH="1">
-            <a:off x="5600700" y="3324865"/>
-            <a:ext cx="1285553" cy="608076"/>
-          </a:xfrm>
-          <a:prstGeom prst="straightConnector1">
-            <a:avLst/>
-          </a:prstGeom>
-          <a:ln w="19050">
-            <a:solidFill>
-              <a:srgbClr val="FF0000"/>
-            </a:solidFill>
-            <a:tailEnd type="triangle"/>
-          </a:ln>
-        </p:spPr>
-        <p:style>
-          <a:lnRef idx="1">
-            <a:schemeClr val="accent1"/>
-          </a:lnRef>
-          <a:fillRef idx="0">
-            <a:schemeClr val="accent1"/>
-          </a:fillRef>
-          <a:effectRef idx="0">
-            <a:schemeClr val="accent1"/>
-          </a:effectRef>
-          <a:fontRef idx="minor">
-            <a:schemeClr val="tx1"/>
-          </a:fontRef>
-        </p:style>
-      </p:cxnSp>
-      <p:sp>
-        <p:nvSpPr>
-          <p:cNvPr id="8" name="Hộp Văn bản 7">
-            <a:extLst>
-              <a:ext uri="{FF2B5EF4-FFF2-40B4-BE49-F238E27FC236}">
-                <a16:creationId xmlns:a16="http://schemas.microsoft.com/office/drawing/2014/main" id="{CECF9CE6-2B3F-4D3E-B9CD-27A874EA299D}"/>
-              </a:ext>
-            </a:extLst>
-          </p:cNvPr>
-          <p:cNvSpPr txBox="1"/>
-          <p:nvPr/>
-        </p:nvSpPr>
-        <p:spPr>
-          <a:xfrm>
-            <a:off x="1677993" y="2804203"/>
-            <a:ext cx="1547603" cy="369332"/>
-          </a:xfrm>
-          <a:prstGeom prst="rect">
-            <a:avLst/>
-          </a:prstGeom>
-          <a:noFill/>
-        </p:spPr>
-        <p:txBody>
-          <a:bodyPr wrap="none" rtlCol="0">
-            <a:spAutoFit/>
-          </a:bodyPr>
-          <a:lstStyle/>
-          <a:p>
-            <a:r>
-              <a:rPr lang="en-US" b="1" dirty="0"/>
-              <a:t>Ground (GND)</a:t>
-            </a:r>
-          </a:p>
-        </p:txBody>
-      </p:sp>
-      <p:cxnSp>
-        <p:nvCxnSpPr>
-          <p:cNvPr id="9" name="Đường kết nối Mũi tên Thẳng 8">
-            <a:extLst>
-              <a:ext uri="{FF2B5EF4-FFF2-40B4-BE49-F238E27FC236}">
-                <a16:creationId xmlns:a16="http://schemas.microsoft.com/office/drawing/2014/main" id="{BBB66E13-FC62-4FC5-B15D-C3CAE305BCC2}"/>
-              </a:ext>
-            </a:extLst>
-          </p:cNvPr>
-          <p:cNvCxnSpPr>
-            <a:cxnSpLocks/>
-            <a:stCxn id="8" idx="2"/>
-          </p:cNvCxnSpPr>
-          <p:nvPr/>
-        </p:nvCxnSpPr>
-        <p:spPr>
-          <a:xfrm>
-            <a:off x="2451795" y="3173535"/>
-            <a:ext cx="2112271" cy="759406"/>
-          </a:xfrm>
-          <a:prstGeom prst="straightConnector1">
-            <a:avLst/>
-          </a:prstGeom>
-          <a:ln w="19050">
-            <a:solidFill>
-              <a:srgbClr val="FF0000"/>
-            </a:solidFill>
-            <a:tailEnd type="triangle"/>
-          </a:ln>
-        </p:spPr>
-        <p:style>
-          <a:lnRef idx="1">
-            <a:schemeClr val="accent1"/>
-          </a:lnRef>
-          <a:fillRef idx="0">
-            <a:schemeClr val="accent1"/>
-          </a:fillRef>
-          <a:effectRef idx="0">
-            <a:schemeClr val="accent1"/>
-          </a:effectRef>
-          <a:fontRef idx="minor">
-            <a:schemeClr val="tx1"/>
-          </a:fontRef>
-        </p:style>
-      </p:cxnSp>
-      <p:pic>
-        <p:nvPicPr>
-          <p:cNvPr id="3074" name="Picture 2" descr="Káº¿t quáº£ hÃ¬nh áº£nh cho led anode cathode">
-            <a:extLst>
-              <a:ext uri="{FF2B5EF4-FFF2-40B4-BE49-F238E27FC236}">
-                <a16:creationId xmlns:a16="http://schemas.microsoft.com/office/drawing/2014/main" id="{A00ABE59-CC75-434A-B72A-6C01AE944180}"/>
-              </a:ext>
-            </a:extLst>
-          </p:cNvPr>
-          <p:cNvPicPr>
-            <a:picLocks noChangeAspect="1" noChangeArrowheads="1"/>
-          </p:cNvPicPr>
-          <p:nvPr/>
-        </p:nvPicPr>
-        <p:blipFill>
-          <a:blip r:embed="rId4">
-            <a:extLst>
-              <a:ext uri="{28A0092B-C50C-407E-A947-70E740481C1C}">
-                <a14:useLocalDpi xmlns:a14="http://schemas.microsoft.com/office/drawing/2010/main" val="0"/>
-              </a:ext>
-            </a:extLst>
-          </a:blip>
-          <a:srcRect/>
-          <a:stretch>
-            <a:fillRect/>
-          </a:stretch>
-        </p:blipFill>
-        <p:spPr bwMode="auto">
-          <a:xfrm>
-            <a:off x="8517828" y="2166374"/>
-            <a:ext cx="1607576" cy="3533135"/>
-          </a:xfrm>
-          <a:prstGeom prst="rect">
-            <a:avLst/>
-          </a:prstGeom>
-          <a:noFill/>
-          <a:extLst>
-            <a:ext uri="{909E8E84-426E-40DD-AFC4-6F175D3DCCD1}">
-              <a14:hiddenFill xmlns:a14="http://schemas.microsoft.com/office/drawing/2010/main">
-                <a:solidFill>
-                  <a:srgbClr val="FFFFFF"/>
-                </a:solidFill>
-              </a14:hiddenFill>
-            </a:ext>
-          </a:extLst>
-        </p:spPr>
-      </p:pic>
+          <a:p>
+            <a:endParaRPr lang="en-US" dirty="0"/>
+          </a:p>
+        </p:txBody>
+      </p:sp>
     </p:spTree>
     <p:extLst>
       <p:ext uri="{BB962C8B-B14F-4D97-AF65-F5344CB8AC3E}">
-        <p14:creationId xmlns:p14="http://schemas.microsoft.com/office/powerpoint/2010/main" val="1878864271"/>
+        <p14:creationId xmlns:p14="http://schemas.microsoft.com/office/powerpoint/2010/main" val="653306361"/>
       </p:ext>
     </p:extLst>
   </p:cSld>
@@ -6155,6 +6634,157 @@
 </file>
 
 <file path=ppt/slides/slide4.xml><?xml version="1.0" encoding="utf-8"?>
+<p:sld xmlns:a="http://schemas.openxmlformats.org/drawingml/2006/main" xmlns:r="http://schemas.openxmlformats.org/officeDocument/2006/relationships" xmlns:p="http://schemas.openxmlformats.org/presentationml/2006/main">
+  <p:cSld>
+    <p:spTree>
+      <p:nvGrpSpPr>
+        <p:cNvPr id="1" name=""/>
+        <p:cNvGrpSpPr/>
+        <p:nvPr/>
+      </p:nvGrpSpPr>
+      <p:grpSpPr>
+        <a:xfrm>
+          <a:off x="0" y="0"/>
+          <a:ext cx="0" cy="0"/>
+          <a:chOff x="0" y="0"/>
+          <a:chExt cx="0" cy="0"/>
+        </a:xfrm>
+      </p:grpSpPr>
+      <p:sp>
+        <p:nvSpPr>
+          <p:cNvPr id="2" name="Title 1"/>
+          <p:cNvSpPr>
+            <a:spLocks noGrp="1"/>
+          </p:cNvSpPr>
+          <p:nvPr>
+            <p:ph type="title"/>
+          </p:nvPr>
+        </p:nvSpPr>
+        <p:spPr/>
+        <p:txBody>
+          <a:bodyPr/>
+          <a:lstStyle/>
+          <a:p>
+            <a:r>
+              <a:rPr lang="en-US" dirty="0" err="1"/>
+              <a:t>Tài</a:t>
+            </a:r>
+            <a:r>
+              <a:rPr lang="en-US" dirty="0"/>
+              <a:t> </a:t>
+            </a:r>
+            <a:r>
+              <a:rPr lang="en-US" dirty="0" err="1"/>
+              <a:t>liệu</a:t>
+            </a:r>
+            <a:r>
+              <a:rPr lang="en-US" dirty="0"/>
+              <a:t> </a:t>
+            </a:r>
+            <a:r>
+              <a:rPr lang="en-US" dirty="0" err="1"/>
+              <a:t>cho</a:t>
+            </a:r>
+            <a:r>
+              <a:rPr lang="en-US" dirty="0"/>
+              <a:t> </a:t>
+            </a:r>
+            <a:r>
+              <a:rPr lang="en-US" dirty="0" err="1"/>
+              <a:t>bài</a:t>
+            </a:r>
+            <a:r>
+              <a:rPr lang="en-US" dirty="0"/>
+              <a:t> </a:t>
+            </a:r>
+            <a:r>
+              <a:rPr lang="en-US" dirty="0" err="1"/>
+              <a:t>học</a:t>
+            </a:r>
+            <a:r>
+              <a:rPr lang="en-US" dirty="0"/>
+              <a:t>:</a:t>
+            </a:r>
+          </a:p>
+        </p:txBody>
+      </p:sp>
+      <p:sp>
+        <p:nvSpPr>
+          <p:cNvPr id="3" name="Chỗ dành sẵn cho Nội dung 2">
+            <a:extLst>
+              <a:ext uri="{FF2B5EF4-FFF2-40B4-BE49-F238E27FC236}">
+                <a16:creationId xmlns:a16="http://schemas.microsoft.com/office/drawing/2014/main" id="{28C742A5-9D53-4B67-A126-D4C191B39425}"/>
+              </a:ext>
+            </a:extLst>
+          </p:cNvPr>
+          <p:cNvSpPr>
+            <a:spLocks noGrp="1"/>
+          </p:cNvSpPr>
+          <p:nvPr>
+            <p:ph idx="1"/>
+          </p:nvPr>
+        </p:nvSpPr>
+        <p:spPr>
+          <a:xfrm>
+            <a:off x="838200" y="1825625"/>
+            <a:ext cx="10515600" cy="4351338"/>
+          </a:xfrm>
+        </p:spPr>
+        <p:txBody>
+          <a:bodyPr/>
+          <a:lstStyle/>
+          <a:p>
+            <a:r>
+              <a:rPr lang="en-US" dirty="0" err="1"/>
+              <a:t>Github</a:t>
+            </a:r>
+            <a:r>
+              <a:rPr lang="en-US" dirty="0"/>
+              <a:t> </a:t>
+            </a:r>
+            <a:r>
+              <a:rPr lang="en-US" dirty="0" err="1"/>
+              <a:t>bài</a:t>
+            </a:r>
+            <a:r>
+              <a:rPr lang="en-US" dirty="0"/>
+              <a:t> 14-15. Smart Light:</a:t>
+            </a:r>
+          </a:p>
+          <a:p>
+            <a:pPr marL="0" indent="0">
+              <a:buNone/>
+            </a:pPr>
+            <a:r>
+              <a:rPr lang="en-US" dirty="0">
+                <a:hlinkClick r:id="rId3"/>
+              </a:rPr>
+              <a:t>https://github.com/Huong-nt/EduMall-KhoaHocIOT/tree/master/14-15.%20Smart%20Light</a:t>
+            </a:r>
+            <a:endParaRPr lang="en-US" dirty="0"/>
+          </a:p>
+          <a:p>
+            <a:endParaRPr lang="en-US" dirty="0"/>
+          </a:p>
+          <a:p>
+            <a:endParaRPr lang="en-US" dirty="0"/>
+          </a:p>
+        </p:txBody>
+      </p:sp>
+    </p:spTree>
+    <p:extLst>
+      <p:ext uri="{BB962C8B-B14F-4D97-AF65-F5344CB8AC3E}">
+        <p14:creationId xmlns:p14="http://schemas.microsoft.com/office/powerpoint/2010/main" val="3841440704"/>
+      </p:ext>
+    </p:extLst>
+  </p:cSld>
+  <p:clrMapOvr>
+    <a:masterClrMapping/>
+  </p:clrMapOvr>
+</p:sld>
+</file>
+
+<file path=ppt/slides/slide5.xml><?xml version="1.0" encoding="utf-8"?>
 <p:sld xmlns:a="http://schemas.openxmlformats.org/drawingml/2006/main" xmlns:r="http://schemas.openxmlformats.org/officeDocument/2006/relationships" xmlns:p="http://schemas.openxmlformats.org/presentationml/2006/main">
   <p:cSld>
     <p:spTree>
@@ -7852,7 +8482,7 @@
     </p:spTree>
     <p:extLst>
       <p:ext uri="{BB962C8B-B14F-4D97-AF65-F5344CB8AC3E}">
-        <p14:creationId xmlns:p14="http://schemas.microsoft.com/office/powerpoint/2010/main" val="583298047"/>
+        <p14:creationId xmlns:p14="http://schemas.microsoft.com/office/powerpoint/2010/main" val="3629605753"/>
       </p:ext>
     </p:extLst>
   </p:cSld>
@@ -7940,7 +8570,692 @@
 </p:sld>
 </file>
 
-<file path=ppt/slides/slide5.xml><?xml version="1.0" encoding="utf-8"?>
+<file path=ppt/slides/slide6.xml><?xml version="1.0" encoding="utf-8"?>
+<p:sld xmlns:a="http://schemas.openxmlformats.org/drawingml/2006/main" xmlns:r="http://schemas.openxmlformats.org/officeDocument/2006/relationships" xmlns:p="http://schemas.openxmlformats.org/presentationml/2006/main">
+  <p:cSld>
+    <p:spTree>
+      <p:nvGrpSpPr>
+        <p:cNvPr id="1" name=""/>
+        <p:cNvGrpSpPr/>
+        <p:nvPr/>
+      </p:nvGrpSpPr>
+      <p:grpSpPr>
+        <a:xfrm>
+          <a:off x="0" y="0"/>
+          <a:ext cx="0" cy="0"/>
+          <a:chOff x="0" y="0"/>
+          <a:chExt cx="0" cy="0"/>
+        </a:xfrm>
+      </p:grpSpPr>
+      <p:sp>
+        <p:nvSpPr>
+          <p:cNvPr id="2" name="Title 1"/>
+          <p:cNvSpPr>
+            <a:spLocks noGrp="1"/>
+          </p:cNvSpPr>
+          <p:nvPr>
+            <p:ph type="title"/>
+          </p:nvPr>
+        </p:nvSpPr>
+        <p:spPr>
+          <a:xfrm>
+            <a:off x="838200" y="365125"/>
+            <a:ext cx="10515600" cy="1325563"/>
+          </a:xfrm>
+        </p:spPr>
+        <p:txBody>
+          <a:bodyPr/>
+          <a:lstStyle/>
+          <a:p>
+            <a:r>
+              <a:rPr lang="en-US" dirty="0" err="1"/>
+              <a:t>Thiết</a:t>
+            </a:r>
+            <a:r>
+              <a:rPr lang="en-US" dirty="0"/>
+              <a:t> </a:t>
+            </a:r>
+            <a:r>
+              <a:rPr lang="en-US" dirty="0" err="1"/>
+              <a:t>lập</a:t>
+            </a:r>
+            <a:r>
+              <a:rPr lang="en-US" dirty="0"/>
+              <a:t> AWS IoT core</a:t>
+            </a:r>
+          </a:p>
+        </p:txBody>
+      </p:sp>
+      <p:sp>
+        <p:nvSpPr>
+          <p:cNvPr id="17" name="Title 1">
+            <a:extLst>
+              <a:ext uri="{FF2B5EF4-FFF2-40B4-BE49-F238E27FC236}">
+                <a16:creationId xmlns:a16="http://schemas.microsoft.com/office/drawing/2014/main" id="{471A9195-384A-498F-BE53-BE4CF7BD9E00}"/>
+              </a:ext>
+            </a:extLst>
+          </p:cNvPr>
+          <p:cNvSpPr txBox="1">
+            <a:spLocks/>
+          </p:cNvSpPr>
+          <p:nvPr/>
+        </p:nvSpPr>
+        <p:spPr>
+          <a:xfrm>
+            <a:off x="838200" y="1690688"/>
+            <a:ext cx="8016766" cy="727494"/>
+          </a:xfrm>
+          <a:prstGeom prst="rect">
+            <a:avLst/>
+          </a:prstGeom>
+        </p:spPr>
+        <p:txBody>
+          <a:bodyPr vert="horz" lIns="91440" tIns="45720" rIns="91440" bIns="45720" rtlCol="0" anchor="ctr">
+            <a:normAutofit fontScale="92500"/>
+          </a:bodyPr>
+          <a:lstStyle>
+            <a:lvl1pPr algn="l" defTabSz="914400" rtl="0" eaLnBrk="1" latinLnBrk="0" hangingPunct="1">
+              <a:lnSpc>
+                <a:spcPct val="90000"/>
+              </a:lnSpc>
+              <a:spcBef>
+                <a:spcPct val="0"/>
+              </a:spcBef>
+              <a:buNone/>
+              <a:defRPr sz="4400" kern="1200">
+                <a:solidFill>
+                  <a:schemeClr val="tx1"/>
+                </a:solidFill>
+                <a:latin typeface="+mj-lt"/>
+                <a:ea typeface="+mj-ea"/>
+                <a:cs typeface="+mj-cs"/>
+              </a:defRPr>
+            </a:lvl1pPr>
+          </a:lstStyle>
+          <a:p>
+            <a:r>
+              <a:rPr lang="en-US" sz="2800" dirty="0"/>
+              <a:t>- Qui </a:t>
+            </a:r>
+            <a:r>
+              <a:rPr lang="en-US" sz="2800" dirty="0" err="1"/>
+              <a:t>định</a:t>
+            </a:r>
+            <a:r>
+              <a:rPr lang="en-US" sz="2800" dirty="0"/>
+              <a:t> topic subscribe: “</a:t>
+            </a:r>
+            <a:r>
+              <a:rPr lang="en-US" sz="2800" dirty="0" err="1"/>
+              <a:t>aws</a:t>
+            </a:r>
+            <a:r>
+              <a:rPr lang="en-US" sz="2800" dirty="0"/>
+              <a:t>/</a:t>
+            </a:r>
+            <a:r>
+              <a:rPr lang="en-US" sz="2800" dirty="0" err="1"/>
+              <a:t>smartdevices</a:t>
+            </a:r>
+            <a:r>
+              <a:rPr lang="en-US" sz="2800" dirty="0"/>
+              <a:t>/control/”</a:t>
+            </a:r>
+          </a:p>
+        </p:txBody>
+      </p:sp>
+      <p:sp>
+        <p:nvSpPr>
+          <p:cNvPr id="19" name="Title 1">
+            <a:extLst>
+              <a:ext uri="{FF2B5EF4-FFF2-40B4-BE49-F238E27FC236}">
+                <a16:creationId xmlns:a16="http://schemas.microsoft.com/office/drawing/2014/main" id="{34208AA0-050C-469C-BAE3-586C38EA3311}"/>
+              </a:ext>
+            </a:extLst>
+          </p:cNvPr>
+          <p:cNvSpPr txBox="1">
+            <a:spLocks/>
+          </p:cNvSpPr>
+          <p:nvPr/>
+        </p:nvSpPr>
+        <p:spPr>
+          <a:xfrm>
+            <a:off x="838200" y="2515117"/>
+            <a:ext cx="8016766" cy="3004334"/>
+          </a:xfrm>
+          <a:prstGeom prst="rect">
+            <a:avLst/>
+          </a:prstGeom>
+        </p:spPr>
+        <p:txBody>
+          <a:bodyPr vert="horz" lIns="91440" tIns="45720" rIns="91440" bIns="45720" rtlCol="0" anchor="ctr">
+            <a:normAutofit/>
+          </a:bodyPr>
+          <a:lstStyle>
+            <a:lvl1pPr algn="l" defTabSz="914400" rtl="0" eaLnBrk="1" latinLnBrk="0" hangingPunct="1">
+              <a:lnSpc>
+                <a:spcPct val="90000"/>
+              </a:lnSpc>
+              <a:spcBef>
+                <a:spcPct val="0"/>
+              </a:spcBef>
+              <a:buNone/>
+              <a:defRPr sz="4400" kern="1200">
+                <a:solidFill>
+                  <a:schemeClr val="tx1"/>
+                </a:solidFill>
+                <a:latin typeface="+mj-lt"/>
+                <a:ea typeface="+mj-ea"/>
+                <a:cs typeface="+mj-cs"/>
+              </a:defRPr>
+            </a:lvl1pPr>
+          </a:lstStyle>
+          <a:p>
+            <a:r>
+              <a:rPr lang="en-US" sz="2800" dirty="0"/>
+              <a:t>- Qui </a:t>
+            </a:r>
+            <a:r>
+              <a:rPr lang="en-US" sz="2800" dirty="0" err="1"/>
+              <a:t>định</a:t>
+            </a:r>
+            <a:r>
+              <a:rPr lang="en-US" sz="2800" dirty="0"/>
+              <a:t> </a:t>
+            </a:r>
+            <a:r>
+              <a:rPr lang="en-US" sz="2800" dirty="0" err="1"/>
+              <a:t>bản</a:t>
+            </a:r>
+            <a:r>
+              <a:rPr lang="en-US" sz="2800" dirty="0"/>
+              <a:t> tin </a:t>
+            </a:r>
+            <a:r>
+              <a:rPr lang="en-US" sz="2800" dirty="0" err="1"/>
+              <a:t>với</a:t>
+            </a:r>
+            <a:r>
+              <a:rPr lang="en-US" sz="2800" dirty="0"/>
+              <a:t> </a:t>
+            </a:r>
+            <a:r>
+              <a:rPr lang="en-US" sz="2800" dirty="0" err="1"/>
+              <a:t>định</a:t>
+            </a:r>
+            <a:r>
+              <a:rPr lang="en-US" sz="2800" dirty="0"/>
+              <a:t> </a:t>
+            </a:r>
+            <a:r>
+              <a:rPr lang="en-US" sz="2800" dirty="0" err="1"/>
+              <a:t>dạng</a:t>
+            </a:r>
+            <a:r>
+              <a:rPr lang="en-US" sz="2800" dirty="0"/>
+              <a:t> json:</a:t>
+            </a:r>
+          </a:p>
+          <a:p>
+            <a:r>
+              <a:rPr lang="en-US" sz="2800" dirty="0"/>
+              <a:t>{</a:t>
+            </a:r>
+          </a:p>
+          <a:p>
+            <a:r>
+              <a:rPr lang="en-US" sz="2800" dirty="0"/>
+              <a:t>	“type”: “control”,</a:t>
+            </a:r>
+          </a:p>
+          <a:p>
+            <a:r>
+              <a:rPr lang="en-US" sz="2800" dirty="0"/>
+              <a:t>	“device”: “light”,</a:t>
+            </a:r>
+          </a:p>
+          <a:p>
+            <a:r>
+              <a:rPr lang="en-US" sz="2800" dirty="0"/>
+              <a:t>	“power”: “on”	// power: on or off</a:t>
+            </a:r>
+          </a:p>
+          <a:p>
+            <a:r>
+              <a:rPr lang="en-US" sz="2800" dirty="0"/>
+              <a:t>}</a:t>
+            </a:r>
+          </a:p>
+        </p:txBody>
+      </p:sp>
+    </p:spTree>
+    <p:extLst>
+      <p:ext uri="{BB962C8B-B14F-4D97-AF65-F5344CB8AC3E}">
+        <p14:creationId xmlns:p14="http://schemas.microsoft.com/office/powerpoint/2010/main" val="565797093"/>
+      </p:ext>
+    </p:extLst>
+  </p:cSld>
+  <p:clrMapOvr>
+    <a:masterClrMapping/>
+  </p:clrMapOvr>
+</p:sld>
+</file>
+
+<file path=ppt/slides/slide7.xml><?xml version="1.0" encoding="utf-8"?>
+<p:sld xmlns:a="http://schemas.openxmlformats.org/drawingml/2006/main" xmlns:r="http://schemas.openxmlformats.org/officeDocument/2006/relationships" xmlns:p="http://schemas.openxmlformats.org/presentationml/2006/main">
+  <p:cSld>
+    <p:spTree>
+      <p:nvGrpSpPr>
+        <p:cNvPr id="1" name=""/>
+        <p:cNvGrpSpPr/>
+        <p:nvPr/>
+      </p:nvGrpSpPr>
+      <p:grpSpPr>
+        <a:xfrm>
+          <a:off x="0" y="0"/>
+          <a:ext cx="0" cy="0"/>
+          <a:chOff x="0" y="0"/>
+          <a:chExt cx="0" cy="0"/>
+        </a:xfrm>
+      </p:grpSpPr>
+      <p:sp>
+        <p:nvSpPr>
+          <p:cNvPr id="2" name="Title 1"/>
+          <p:cNvSpPr>
+            <a:spLocks noGrp="1"/>
+          </p:cNvSpPr>
+          <p:nvPr>
+            <p:ph type="title"/>
+          </p:nvPr>
+        </p:nvSpPr>
+        <p:spPr>
+          <a:xfrm>
+            <a:off x="838200" y="365125"/>
+            <a:ext cx="10515600" cy="1325563"/>
+          </a:xfrm>
+        </p:spPr>
+        <p:txBody>
+          <a:bodyPr/>
+          <a:lstStyle/>
+          <a:p>
+            <a:r>
+              <a:rPr lang="en-US" dirty="0" err="1"/>
+              <a:t>Mô</a:t>
+            </a:r>
+            <a:r>
+              <a:rPr lang="en-US" dirty="0"/>
+              <a:t> </a:t>
+            </a:r>
+            <a:r>
+              <a:rPr lang="en-US" dirty="0" err="1"/>
+              <a:t>hình</a:t>
+            </a:r>
+            <a:r>
+              <a:rPr lang="en-US" dirty="0"/>
+              <a:t> </a:t>
+            </a:r>
+            <a:r>
+              <a:rPr lang="en-US" dirty="0" err="1"/>
+              <a:t>thiết</a:t>
+            </a:r>
+            <a:r>
+              <a:rPr lang="en-US" dirty="0"/>
+              <a:t> </a:t>
+            </a:r>
+            <a:r>
+              <a:rPr lang="en-US" dirty="0" err="1"/>
+              <a:t>kế</a:t>
+            </a:r>
+            <a:r>
+              <a:rPr lang="en-US" dirty="0"/>
+              <a:t>: </a:t>
+            </a:r>
+            <a:r>
+              <a:rPr lang="en-US" dirty="0" err="1"/>
+              <a:t>phía</a:t>
+            </a:r>
+            <a:r>
+              <a:rPr lang="en-US" dirty="0"/>
+              <a:t> </a:t>
+            </a:r>
+            <a:r>
+              <a:rPr lang="en-US" dirty="0" err="1"/>
+              <a:t>thiết</a:t>
+            </a:r>
+            <a:r>
+              <a:rPr lang="en-US" dirty="0"/>
+              <a:t> </a:t>
+            </a:r>
+            <a:r>
+              <a:rPr lang="en-US" dirty="0" err="1"/>
+              <a:t>bị</a:t>
+            </a:r>
+            <a:endParaRPr lang="en-US" dirty="0"/>
+          </a:p>
+        </p:txBody>
+      </p:sp>
+      <p:pic>
+        <p:nvPicPr>
+          <p:cNvPr id="16" name="Hình ảnh 15">
+            <a:extLst>
+              <a:ext uri="{FF2B5EF4-FFF2-40B4-BE49-F238E27FC236}">
+                <a16:creationId xmlns:a16="http://schemas.microsoft.com/office/drawing/2014/main" id="{983A2F2B-5DDF-461D-A1EF-7DCEB7A9D8B2}"/>
+              </a:ext>
+            </a:extLst>
+          </p:cNvPr>
+          <p:cNvPicPr>
+            <a:picLocks noChangeAspect="1"/>
+          </p:cNvPicPr>
+          <p:nvPr/>
+        </p:nvPicPr>
+        <p:blipFill>
+          <a:blip r:embed="rId3">
+            <a:extLst>
+              <a:ext uri="{28A0092B-C50C-407E-A947-70E740481C1C}">
+                <a14:useLocalDpi xmlns:a14="http://schemas.microsoft.com/office/drawing/2010/main" val="0"/>
+              </a:ext>
+            </a:extLst>
+          </a:blip>
+          <a:stretch>
+            <a:fillRect/>
+          </a:stretch>
+        </p:blipFill>
+        <p:spPr>
+          <a:xfrm>
+            <a:off x="3357969" y="1690688"/>
+            <a:ext cx="3377059" cy="4672370"/>
+          </a:xfrm>
+          <a:prstGeom prst="rect">
+            <a:avLst/>
+          </a:prstGeom>
+        </p:spPr>
+      </p:pic>
+      <p:sp>
+        <p:nvSpPr>
+          <p:cNvPr id="4" name="Hộp Văn bản 3">
+            <a:extLst>
+              <a:ext uri="{FF2B5EF4-FFF2-40B4-BE49-F238E27FC236}">
+                <a16:creationId xmlns:a16="http://schemas.microsoft.com/office/drawing/2014/main" id="{4E687418-25DB-458D-9A61-E769E4A9557F}"/>
+              </a:ext>
+            </a:extLst>
+          </p:cNvPr>
+          <p:cNvSpPr txBox="1"/>
+          <p:nvPr/>
+        </p:nvSpPr>
+        <p:spPr>
+          <a:xfrm>
+            <a:off x="6886252" y="2988869"/>
+            <a:ext cx="958917" cy="369332"/>
+          </a:xfrm>
+          <a:prstGeom prst="rect">
+            <a:avLst/>
+          </a:prstGeom>
+          <a:noFill/>
+        </p:spPr>
+        <p:txBody>
+          <a:bodyPr wrap="none" rtlCol="0">
+            <a:spAutoFit/>
+          </a:bodyPr>
+          <a:lstStyle/>
+          <a:p>
+            <a:r>
+              <a:rPr lang="en-US" b="1" dirty="0"/>
+              <a:t>GPIO 10</a:t>
+            </a:r>
+          </a:p>
+        </p:txBody>
+      </p:sp>
+      <p:cxnSp>
+        <p:nvCxnSpPr>
+          <p:cNvPr id="5" name="Đường kết nối Mũi tên Thẳng 4">
+            <a:extLst>
+              <a:ext uri="{FF2B5EF4-FFF2-40B4-BE49-F238E27FC236}">
+                <a16:creationId xmlns:a16="http://schemas.microsoft.com/office/drawing/2014/main" id="{1B2780DB-AAEC-49F7-9BCB-947370F1D6B2}"/>
+              </a:ext>
+            </a:extLst>
+          </p:cNvPr>
+          <p:cNvCxnSpPr>
+            <a:cxnSpLocks/>
+          </p:cNvCxnSpPr>
+          <p:nvPr/>
+        </p:nvCxnSpPr>
+        <p:spPr>
+          <a:xfrm flipH="1">
+            <a:off x="5600700" y="3324865"/>
+            <a:ext cx="1285553" cy="608076"/>
+          </a:xfrm>
+          <a:prstGeom prst="straightConnector1">
+            <a:avLst/>
+          </a:prstGeom>
+          <a:ln w="19050">
+            <a:solidFill>
+              <a:srgbClr val="FF0000"/>
+            </a:solidFill>
+            <a:tailEnd type="triangle"/>
+          </a:ln>
+        </p:spPr>
+        <p:style>
+          <a:lnRef idx="1">
+            <a:schemeClr val="accent1"/>
+          </a:lnRef>
+          <a:fillRef idx="0">
+            <a:schemeClr val="accent1"/>
+          </a:fillRef>
+          <a:effectRef idx="0">
+            <a:schemeClr val="accent1"/>
+          </a:effectRef>
+          <a:fontRef idx="minor">
+            <a:schemeClr val="tx1"/>
+          </a:fontRef>
+        </p:style>
+      </p:cxnSp>
+      <p:sp>
+        <p:nvSpPr>
+          <p:cNvPr id="8" name="Hộp Văn bản 7">
+            <a:extLst>
+              <a:ext uri="{FF2B5EF4-FFF2-40B4-BE49-F238E27FC236}">
+                <a16:creationId xmlns:a16="http://schemas.microsoft.com/office/drawing/2014/main" id="{CECF9CE6-2B3F-4D3E-B9CD-27A874EA299D}"/>
+              </a:ext>
+            </a:extLst>
+          </p:cNvPr>
+          <p:cNvSpPr txBox="1"/>
+          <p:nvPr/>
+        </p:nvSpPr>
+        <p:spPr>
+          <a:xfrm>
+            <a:off x="1677993" y="2804203"/>
+            <a:ext cx="1547603" cy="369332"/>
+          </a:xfrm>
+          <a:prstGeom prst="rect">
+            <a:avLst/>
+          </a:prstGeom>
+          <a:noFill/>
+        </p:spPr>
+        <p:txBody>
+          <a:bodyPr wrap="none" rtlCol="0">
+            <a:spAutoFit/>
+          </a:bodyPr>
+          <a:lstStyle/>
+          <a:p>
+            <a:r>
+              <a:rPr lang="en-US" b="1" dirty="0"/>
+              <a:t>Ground (GND)</a:t>
+            </a:r>
+          </a:p>
+        </p:txBody>
+      </p:sp>
+      <p:cxnSp>
+        <p:nvCxnSpPr>
+          <p:cNvPr id="9" name="Đường kết nối Mũi tên Thẳng 8">
+            <a:extLst>
+              <a:ext uri="{FF2B5EF4-FFF2-40B4-BE49-F238E27FC236}">
+                <a16:creationId xmlns:a16="http://schemas.microsoft.com/office/drawing/2014/main" id="{BBB66E13-FC62-4FC5-B15D-C3CAE305BCC2}"/>
+              </a:ext>
+            </a:extLst>
+          </p:cNvPr>
+          <p:cNvCxnSpPr>
+            <a:cxnSpLocks/>
+            <a:stCxn id="8" idx="2"/>
+          </p:cNvCxnSpPr>
+          <p:nvPr/>
+        </p:nvCxnSpPr>
+        <p:spPr>
+          <a:xfrm>
+            <a:off x="2451795" y="3173535"/>
+            <a:ext cx="2098171" cy="759406"/>
+          </a:xfrm>
+          <a:prstGeom prst="straightConnector1">
+            <a:avLst/>
+          </a:prstGeom>
+          <a:ln w="19050">
+            <a:solidFill>
+              <a:srgbClr val="FF0000"/>
+            </a:solidFill>
+            <a:tailEnd type="triangle"/>
+          </a:ln>
+        </p:spPr>
+        <p:style>
+          <a:lnRef idx="1">
+            <a:schemeClr val="accent1"/>
+          </a:lnRef>
+          <a:fillRef idx="0">
+            <a:schemeClr val="accent1"/>
+          </a:fillRef>
+          <a:effectRef idx="0">
+            <a:schemeClr val="accent1"/>
+          </a:effectRef>
+          <a:fontRef idx="minor">
+            <a:schemeClr val="tx1"/>
+          </a:fontRef>
+        </p:style>
+      </p:cxnSp>
+      <p:pic>
+        <p:nvPicPr>
+          <p:cNvPr id="3074" name="Picture 2" descr="Káº¿t quáº£ hÃ¬nh áº£nh cho led anode cathode">
+            <a:extLst>
+              <a:ext uri="{FF2B5EF4-FFF2-40B4-BE49-F238E27FC236}">
+                <a16:creationId xmlns:a16="http://schemas.microsoft.com/office/drawing/2014/main" id="{A00ABE59-CC75-434A-B72A-6C01AE944180}"/>
+              </a:ext>
+            </a:extLst>
+          </p:cNvPr>
+          <p:cNvPicPr>
+            <a:picLocks noChangeAspect="1" noChangeArrowheads="1"/>
+          </p:cNvPicPr>
+          <p:nvPr/>
+        </p:nvPicPr>
+        <p:blipFill>
+          <a:blip r:embed="rId4">
+            <a:extLst>
+              <a:ext uri="{28A0092B-C50C-407E-A947-70E740481C1C}">
+                <a14:useLocalDpi xmlns:a14="http://schemas.microsoft.com/office/drawing/2010/main" val="0"/>
+              </a:ext>
+            </a:extLst>
+          </a:blip>
+          <a:srcRect/>
+          <a:stretch>
+            <a:fillRect/>
+          </a:stretch>
+        </p:blipFill>
+        <p:spPr bwMode="auto">
+          <a:xfrm>
+            <a:off x="8517828" y="2166374"/>
+            <a:ext cx="1607576" cy="3533135"/>
+          </a:xfrm>
+          <a:prstGeom prst="rect">
+            <a:avLst/>
+          </a:prstGeom>
+          <a:noFill/>
+          <a:extLst>
+            <a:ext uri="{909E8E84-426E-40DD-AFC4-6F175D3DCCD1}">
+              <a14:hiddenFill xmlns:a14="http://schemas.microsoft.com/office/drawing/2010/main">
+                <a:solidFill>
+                  <a:srgbClr val="FFFFFF"/>
+                </a:solidFill>
+              </a14:hiddenFill>
+            </a:ext>
+          </a:extLst>
+        </p:spPr>
+      </p:pic>
+    </p:spTree>
+    <p:extLst>
+      <p:ext uri="{BB962C8B-B14F-4D97-AF65-F5344CB8AC3E}">
+        <p14:creationId xmlns:p14="http://schemas.microsoft.com/office/powerpoint/2010/main" val="1878864271"/>
+      </p:ext>
+    </p:extLst>
+  </p:cSld>
+  <p:clrMapOvr>
+    <a:masterClrMapping/>
+  </p:clrMapOvr>
+</p:sld>
+</file>
+
+<file path=ppt/slides/slide8.xml><?xml version="1.0" encoding="utf-8"?>
+<p:sld xmlns:a="http://schemas.openxmlformats.org/drawingml/2006/main" xmlns:r="http://schemas.openxmlformats.org/officeDocument/2006/relationships" xmlns:p="http://schemas.openxmlformats.org/presentationml/2006/main">
+  <p:cSld>
+    <p:spTree>
+      <p:nvGrpSpPr>
+        <p:cNvPr id="1" name=""/>
+        <p:cNvGrpSpPr/>
+        <p:nvPr/>
+      </p:nvGrpSpPr>
+      <p:grpSpPr>
+        <a:xfrm>
+          <a:off x="0" y="0"/>
+          <a:ext cx="0" cy="0"/>
+          <a:chOff x="0" y="0"/>
+          <a:chExt cx="0" cy="0"/>
+        </a:xfrm>
+      </p:grpSpPr>
+      <p:pic>
+        <p:nvPicPr>
+          <p:cNvPr id="7" name="Hình ảnh 6">
+            <a:extLst>
+              <a:ext uri="{FF2B5EF4-FFF2-40B4-BE49-F238E27FC236}">
+                <a16:creationId xmlns:a16="http://schemas.microsoft.com/office/drawing/2014/main" id="{BFD4D8D6-D108-44C9-8265-60C455BBFA0D}"/>
+              </a:ext>
+            </a:extLst>
+          </p:cNvPr>
+          <p:cNvPicPr>
+            <a:picLocks noChangeAspect="1"/>
+          </p:cNvPicPr>
+          <p:nvPr/>
+        </p:nvPicPr>
+        <p:blipFill>
+          <a:blip r:embed="rId2">
+            <a:extLst>
+              <a:ext uri="{28A0092B-C50C-407E-A947-70E740481C1C}">
+                <a14:useLocalDpi xmlns:a14="http://schemas.microsoft.com/office/drawing/2010/main" val="0"/>
+              </a:ext>
+            </a:extLst>
+          </a:blip>
+          <a:stretch>
+            <a:fillRect/>
+          </a:stretch>
+        </p:blipFill>
+        <p:spPr>
+          <a:xfrm>
+            <a:off x="1329872" y="361809"/>
+            <a:ext cx="9257338" cy="6134381"/>
+          </a:xfrm>
+          <a:prstGeom prst="rect">
+            <a:avLst/>
+          </a:prstGeom>
+        </p:spPr>
+      </p:pic>
+    </p:spTree>
+    <p:extLst>
+      <p:ext uri="{BB962C8B-B14F-4D97-AF65-F5344CB8AC3E}">
+        <p14:creationId xmlns:p14="http://schemas.microsoft.com/office/powerpoint/2010/main" val="2115405461"/>
+      </p:ext>
+    </p:extLst>
+  </p:cSld>
+  <p:clrMapOvr>
+    <a:masterClrMapping/>
+  </p:clrMapOvr>
+</p:sld>
+</file>
+
+<file path=ppt/slides/slide9.xml><?xml version="1.0" encoding="utf-8"?>
 <p:sld xmlns:a="http://schemas.openxmlformats.org/drawingml/2006/main" xmlns:r="http://schemas.openxmlformats.org/officeDocument/2006/relationships" xmlns:p="http://schemas.openxmlformats.org/presentationml/2006/main">
   <p:cSld>
     <p:spTree>
